--- a/pipeline/0321.pptx
+++ b/pipeline/0321.pptx
@@ -24,6 +24,10 @@
     <p:sldId id="276" r:id="rId18"/>
     <p:sldId id="277" r:id="rId19"/>
     <p:sldId id="274" r:id="rId20"/>
+    <p:sldId id="278" r:id="rId21"/>
+    <p:sldId id="280" r:id="rId22"/>
+    <p:sldId id="279" r:id="rId23"/>
+    <p:sldId id="281" r:id="rId24"/>
   </p:sldIdLst>
   <p:sldSz cx="12192000" cy="6858000"/>
   <p:notesSz cx="6858000" cy="9144000"/>
@@ -277,7 +281,7 @@
           <a:p>
             <a:fld id="{9411834E-63A1-AE4B-9696-ADA074A36825}" type="datetimeFigureOut">
               <a:rPr lang="en-US" smtClean="0"/>
-              <a:t>3/21/25</a:t>
+              <a:t>4/28/25</a:t>
             </a:fld>
             <a:endParaRPr lang="en-US"/>
           </a:p>
@@ -475,7 +479,7 @@
           <a:p>
             <a:fld id="{9411834E-63A1-AE4B-9696-ADA074A36825}" type="datetimeFigureOut">
               <a:rPr lang="en-US" smtClean="0"/>
-              <a:t>3/21/25</a:t>
+              <a:t>4/28/25</a:t>
             </a:fld>
             <a:endParaRPr lang="en-US"/>
           </a:p>
@@ -683,7 +687,7 @@
           <a:p>
             <a:fld id="{9411834E-63A1-AE4B-9696-ADA074A36825}" type="datetimeFigureOut">
               <a:rPr lang="en-US" smtClean="0"/>
-              <a:t>3/21/25</a:t>
+              <a:t>4/28/25</a:t>
             </a:fld>
             <a:endParaRPr lang="en-US"/>
           </a:p>
@@ -881,7 +885,7 @@
           <a:p>
             <a:fld id="{9411834E-63A1-AE4B-9696-ADA074A36825}" type="datetimeFigureOut">
               <a:rPr lang="en-US" smtClean="0"/>
-              <a:t>3/21/25</a:t>
+              <a:t>4/28/25</a:t>
             </a:fld>
             <a:endParaRPr lang="en-US"/>
           </a:p>
@@ -1156,7 +1160,7 @@
           <a:p>
             <a:fld id="{9411834E-63A1-AE4B-9696-ADA074A36825}" type="datetimeFigureOut">
               <a:rPr lang="en-US" smtClean="0"/>
-              <a:t>3/21/25</a:t>
+              <a:t>4/28/25</a:t>
             </a:fld>
             <a:endParaRPr lang="en-US"/>
           </a:p>
@@ -1421,7 +1425,7 @@
           <a:p>
             <a:fld id="{9411834E-63A1-AE4B-9696-ADA074A36825}" type="datetimeFigureOut">
               <a:rPr lang="en-US" smtClean="0"/>
-              <a:t>3/21/25</a:t>
+              <a:t>4/28/25</a:t>
             </a:fld>
             <a:endParaRPr lang="en-US"/>
           </a:p>
@@ -1833,7 +1837,7 @@
           <a:p>
             <a:fld id="{9411834E-63A1-AE4B-9696-ADA074A36825}" type="datetimeFigureOut">
               <a:rPr lang="en-US" smtClean="0"/>
-              <a:t>3/21/25</a:t>
+              <a:t>4/28/25</a:t>
             </a:fld>
             <a:endParaRPr lang="en-US"/>
           </a:p>
@@ -1974,7 +1978,7 @@
           <a:p>
             <a:fld id="{9411834E-63A1-AE4B-9696-ADA074A36825}" type="datetimeFigureOut">
               <a:rPr lang="en-US" smtClean="0"/>
-              <a:t>3/21/25</a:t>
+              <a:t>4/28/25</a:t>
             </a:fld>
             <a:endParaRPr lang="en-US"/>
           </a:p>
@@ -2087,7 +2091,7 @@
           <a:p>
             <a:fld id="{9411834E-63A1-AE4B-9696-ADA074A36825}" type="datetimeFigureOut">
               <a:rPr lang="en-US" smtClean="0"/>
-              <a:t>3/21/25</a:t>
+              <a:t>4/28/25</a:t>
             </a:fld>
             <a:endParaRPr lang="en-US"/>
           </a:p>
@@ -2398,7 +2402,7 @@
           <a:p>
             <a:fld id="{9411834E-63A1-AE4B-9696-ADA074A36825}" type="datetimeFigureOut">
               <a:rPr lang="en-US" smtClean="0"/>
-              <a:t>3/21/25</a:t>
+              <a:t>4/28/25</a:t>
             </a:fld>
             <a:endParaRPr lang="en-US"/>
           </a:p>
@@ -2686,7 +2690,7 @@
           <a:p>
             <a:fld id="{9411834E-63A1-AE4B-9696-ADA074A36825}" type="datetimeFigureOut">
               <a:rPr lang="en-US" smtClean="0"/>
-              <a:t>3/21/25</a:t>
+              <a:t>4/28/25</a:t>
             </a:fld>
             <a:endParaRPr lang="en-US"/>
           </a:p>
@@ -2927,7 +2931,7 @@
           <a:p>
             <a:fld id="{9411834E-63A1-AE4B-9696-ADA074A36825}" type="datetimeFigureOut">
               <a:rPr lang="en-US" smtClean="0"/>
-              <a:t>3/21/25</a:t>
+              <a:t>4/28/25</a:t>
             </a:fld>
             <a:endParaRPr lang="en-US"/>
           </a:p>
@@ -5992,7 +5996,7 @@
         </p:nvSpPr>
         <p:spPr>
           <a:xfrm>
-            <a:off x="8138160" y="2255520"/>
+            <a:off x="5419182" y="5915439"/>
             <a:ext cx="3855720" cy="646331"/>
           </a:xfrm>
           <a:prstGeom prst="rect">
@@ -6031,7 +6035,7 @@
         </p:nvSpPr>
         <p:spPr>
           <a:xfrm>
-            <a:off x="8138160" y="3220025"/>
+            <a:off x="6394138" y="1124777"/>
             <a:ext cx="3855720" cy="369332"/>
           </a:xfrm>
           <a:prstGeom prst="rect">
@@ -6091,7 +6095,7 @@
         </p:nvSpPr>
         <p:spPr>
           <a:xfrm>
-            <a:off x="8138160" y="3910628"/>
+            <a:off x="8150271" y="4322411"/>
             <a:ext cx="3855720" cy="369332"/>
           </a:xfrm>
           <a:prstGeom prst="rect">
@@ -6130,7 +6134,7 @@
         </p:nvSpPr>
         <p:spPr>
           <a:xfrm>
-            <a:off x="8138160" y="4791661"/>
+            <a:off x="8029159" y="2450340"/>
             <a:ext cx="3855720" cy="369332"/>
           </a:xfrm>
           <a:prstGeom prst="rect">
@@ -6150,7 +6154,7 @@
                   <a:srgbClr val="C00000"/>
                 </a:solidFill>
               </a:rPr>
-              <a:t>Lastly, documentation </a:t>
+              <a:t>Documentation </a:t>
             </a:r>
           </a:p>
         </p:txBody>
@@ -7101,7 +7105,7 @@
         </p:nvSpPr>
         <p:spPr>
           <a:xfrm>
-            <a:off x="1721185" y="4983456"/>
+            <a:off x="1500433" y="5173981"/>
             <a:ext cx="1592000" cy="612648"/>
           </a:xfrm>
           <a:prstGeom prst="flowChartDocument">
@@ -7155,7 +7159,7 @@
         </p:nvSpPr>
         <p:spPr>
           <a:xfrm>
-            <a:off x="3922936" y="4977404"/>
+            <a:off x="3702184" y="5167929"/>
             <a:ext cx="1592000" cy="612648"/>
           </a:xfrm>
           <a:prstGeom prst="flowChartDocument">
@@ -7209,7 +7213,7 @@
         </p:nvSpPr>
         <p:spPr>
           <a:xfrm>
-            <a:off x="6190708" y="4969192"/>
+            <a:off x="5969956" y="5159717"/>
             <a:ext cx="1592000" cy="612648"/>
           </a:xfrm>
           <a:prstGeom prst="flowChartDocument">
@@ -7263,7 +7267,7 @@
         </p:nvSpPr>
         <p:spPr>
           <a:xfrm>
-            <a:off x="8398194" y="4965998"/>
+            <a:off x="8177442" y="5156523"/>
             <a:ext cx="1592000" cy="612648"/>
           </a:xfrm>
           <a:prstGeom prst="flowChartDocument">
@@ -7317,7 +7321,7 @@
         </p:nvSpPr>
         <p:spPr>
           <a:xfrm>
-            <a:off x="10379248" y="4919532"/>
+            <a:off x="10158496" y="5110057"/>
             <a:ext cx="1592000" cy="612648"/>
           </a:xfrm>
           <a:prstGeom prst="flowChartDocument">
@@ -7699,7 +7703,7 @@
         </p:nvSpPr>
         <p:spPr>
           <a:xfrm>
-            <a:off x="5725193" y="6062949"/>
+            <a:off x="5504441" y="6253474"/>
             <a:ext cx="998542" cy="497617"/>
           </a:xfrm>
           <a:prstGeom prst="roundRect">
@@ -7751,7 +7755,7 @@
         </p:nvSpPr>
         <p:spPr>
           <a:xfrm>
-            <a:off x="7448115" y="6055298"/>
+            <a:off x="7227363" y="6245823"/>
             <a:ext cx="1235625" cy="497617"/>
           </a:xfrm>
           <a:prstGeom prst="roundRect">
@@ -7803,7 +7807,7 @@
         </p:nvSpPr>
         <p:spPr>
           <a:xfrm rot="5400000">
-            <a:off x="6069196" y="5846116"/>
+            <a:off x="5848444" y="6036641"/>
             <a:ext cx="243022" cy="190644"/>
           </a:xfrm>
           <a:prstGeom prst="rightArrow">
@@ -7849,7 +7853,7 @@
         </p:nvSpPr>
         <p:spPr>
           <a:xfrm>
-            <a:off x="1339850" y="4754407"/>
+            <a:off x="1119098" y="4944932"/>
             <a:ext cx="10852150" cy="947893"/>
           </a:xfrm>
           <a:prstGeom prst="rect">
@@ -7887,7 +7891,7 @@
         </p:nvSpPr>
         <p:spPr>
           <a:xfrm>
-            <a:off x="6986708" y="6235557"/>
+            <a:off x="6765956" y="6426082"/>
             <a:ext cx="243022" cy="152400"/>
           </a:xfrm>
           <a:prstGeom prst="rightArrow">
@@ -8367,6 +8371,847 @@
 </p:sld>
 </file>
 
+<file path=ppt/slides/slide20.xml><?xml version="1.0" encoding="utf-8"?>
+<p:sld xmlns:a="http://schemas.openxmlformats.org/drawingml/2006/main" xmlns:r="http://schemas.openxmlformats.org/officeDocument/2006/relationships" xmlns:p="http://schemas.openxmlformats.org/presentationml/2006/main">
+  <p:cSld>
+    <p:spTree>
+      <p:nvGrpSpPr>
+        <p:cNvPr id="1" name=""/>
+        <p:cNvGrpSpPr/>
+        <p:nvPr/>
+      </p:nvGrpSpPr>
+      <p:grpSpPr>
+        <a:xfrm>
+          <a:off x="0" y="0"/>
+          <a:ext cx="0" cy="0"/>
+          <a:chOff x="0" y="0"/>
+          <a:chExt cx="0" cy="0"/>
+        </a:xfrm>
+      </p:grpSpPr>
+      <p:sp>
+        <p:nvSpPr>
+          <p:cNvPr id="2" name="Title 1">
+            <a:extLst>
+              <a:ext uri="{FF2B5EF4-FFF2-40B4-BE49-F238E27FC236}">
+                <a16:creationId xmlns:a16="http://schemas.microsoft.com/office/drawing/2014/main" id="{0E273C59-6FC4-D52C-0645-FF3290EF51CA}"/>
+              </a:ext>
+            </a:extLst>
+          </p:cNvPr>
+          <p:cNvSpPr>
+            <a:spLocks noGrp="1"/>
+          </p:cNvSpPr>
+          <p:nvPr>
+            <p:ph type="title"/>
+          </p:nvPr>
+        </p:nvSpPr>
+        <p:spPr/>
+        <p:txBody>
+          <a:bodyPr/>
+          <a:lstStyle/>
+          <a:p>
+            <a:r>
+              <a:rPr lang="en-US" dirty="0" err="1"/>
+              <a:t>FedGWAS</a:t>
+            </a:r>
+            <a:r>
+              <a:rPr lang="en-US" dirty="0"/>
+              <a:t> pipeline</a:t>
+            </a:r>
+          </a:p>
+        </p:txBody>
+      </p:sp>
+      <p:sp>
+        <p:nvSpPr>
+          <p:cNvPr id="3" name="Content Placeholder 2">
+            <a:extLst>
+              <a:ext uri="{FF2B5EF4-FFF2-40B4-BE49-F238E27FC236}">
+                <a16:creationId xmlns:a16="http://schemas.microsoft.com/office/drawing/2014/main" id="{92B44A0C-F8BB-365B-1C42-BBA8C27DCC4B}"/>
+              </a:ext>
+            </a:extLst>
+          </p:cNvPr>
+          <p:cNvSpPr>
+            <a:spLocks noGrp="1"/>
+          </p:cNvSpPr>
+          <p:nvPr>
+            <p:ph idx="1"/>
+          </p:nvPr>
+        </p:nvSpPr>
+        <p:spPr>
+          <a:xfrm>
+            <a:off x="4695637" y="3802936"/>
+            <a:ext cx="6398276" cy="702452"/>
+          </a:xfrm>
+        </p:spPr>
+        <p:txBody>
+          <a:bodyPr/>
+          <a:lstStyle/>
+          <a:p>
+            <a:pPr marL="0" indent="0">
+              <a:buNone/>
+            </a:pPr>
+            <a:r>
+              <a:rPr lang="en-US" dirty="0"/>
+              <a:t>Apr. 28 updates</a:t>
+            </a:r>
+          </a:p>
+        </p:txBody>
+      </p:sp>
+    </p:spTree>
+    <p:extLst>
+      <p:ext uri="{BB962C8B-B14F-4D97-AF65-F5344CB8AC3E}">
+        <p14:creationId xmlns:p14="http://schemas.microsoft.com/office/powerpoint/2010/main" val="260090251"/>
+      </p:ext>
+    </p:extLst>
+  </p:cSld>
+  <p:clrMapOvr>
+    <a:masterClrMapping/>
+  </p:clrMapOvr>
+</p:sld>
+</file>
+
+<file path=ppt/slides/slide21.xml><?xml version="1.0" encoding="utf-8"?>
+<p:sld xmlns:a="http://schemas.openxmlformats.org/drawingml/2006/main" xmlns:r="http://schemas.openxmlformats.org/officeDocument/2006/relationships" xmlns:p="http://schemas.openxmlformats.org/presentationml/2006/main">
+  <p:cSld>
+    <p:spTree>
+      <p:nvGrpSpPr>
+        <p:cNvPr id="1" name=""/>
+        <p:cNvGrpSpPr/>
+        <p:nvPr/>
+      </p:nvGrpSpPr>
+      <p:grpSpPr>
+        <a:xfrm>
+          <a:off x="0" y="0"/>
+          <a:ext cx="0" cy="0"/>
+          <a:chOff x="0" y="0"/>
+          <a:chExt cx="0" cy="0"/>
+        </a:xfrm>
+      </p:grpSpPr>
+      <p:sp>
+        <p:nvSpPr>
+          <p:cNvPr id="2" name="Title 1">
+            <a:extLst>
+              <a:ext uri="{FF2B5EF4-FFF2-40B4-BE49-F238E27FC236}">
+                <a16:creationId xmlns:a16="http://schemas.microsoft.com/office/drawing/2014/main" id="{B045729F-F2CF-74AB-A92B-589165961276}"/>
+              </a:ext>
+            </a:extLst>
+          </p:cNvPr>
+          <p:cNvSpPr>
+            <a:spLocks noGrp="1"/>
+          </p:cNvSpPr>
+          <p:nvPr>
+            <p:ph type="title"/>
+          </p:nvPr>
+        </p:nvSpPr>
+        <p:spPr/>
+        <p:txBody>
+          <a:bodyPr/>
+          <a:lstStyle/>
+          <a:p>
+            <a:r>
+              <a:rPr lang="en-US" dirty="0"/>
+              <a:t>Potential patches</a:t>
+            </a:r>
+          </a:p>
+        </p:txBody>
+      </p:sp>
+      <p:sp>
+        <p:nvSpPr>
+          <p:cNvPr id="3" name="Content Placeholder 2">
+            <a:extLst>
+              <a:ext uri="{FF2B5EF4-FFF2-40B4-BE49-F238E27FC236}">
+                <a16:creationId xmlns:a16="http://schemas.microsoft.com/office/drawing/2014/main" id="{3BB3B9AE-25AD-2183-FB45-C26644A170CD}"/>
+              </a:ext>
+            </a:extLst>
+          </p:cNvPr>
+          <p:cNvSpPr>
+            <a:spLocks noGrp="1"/>
+          </p:cNvSpPr>
+          <p:nvPr>
+            <p:ph idx="1"/>
+          </p:nvPr>
+        </p:nvSpPr>
+        <p:spPr>
+          <a:xfrm>
+            <a:off x="1261841" y="1819569"/>
+            <a:ext cx="9668317" cy="1856198"/>
+          </a:xfrm>
+        </p:spPr>
+        <p:txBody>
+          <a:bodyPr>
+            <a:normAutofit fontScale="85000" lnSpcReduction="20000"/>
+          </a:bodyPr>
+          <a:lstStyle/>
+          <a:p>
+            <a:pPr marL="514350" indent="-514350">
+              <a:buAutoNum type="arabicPeriod"/>
+            </a:pPr>
+            <a:r>
+              <a:rPr lang="en-US" dirty="0"/>
+              <a:t>Have standalone modules instead of the concrete pipeline</a:t>
+            </a:r>
+          </a:p>
+          <a:p>
+            <a:pPr marL="457200" lvl="1" indent="0">
+              <a:buNone/>
+            </a:pPr>
+            <a:r>
+              <a:rPr lang="en-US" dirty="0"/>
+              <a:t>	a. allow the clients ”in-and-out” during the process</a:t>
+            </a:r>
+          </a:p>
+          <a:p>
+            <a:pPr marL="457200" lvl="1" indent="0">
+              <a:buNone/>
+            </a:pPr>
+            <a:r>
+              <a:rPr lang="en-US" dirty="0"/>
+              <a:t>	b. more flexible</a:t>
+            </a:r>
+          </a:p>
+          <a:p>
+            <a:pPr marL="457200" lvl="1" indent="0">
+              <a:buNone/>
+            </a:pPr>
+            <a:endParaRPr lang="en-US" dirty="0"/>
+          </a:p>
+          <a:p>
+            <a:pPr marL="457200" lvl="1" indent="0">
+              <a:buNone/>
+            </a:pPr>
+            <a:r>
+              <a:rPr lang="en-US" dirty="0">
+                <a:solidFill>
+                  <a:srgbClr val="C00000"/>
+                </a:solidFill>
+              </a:rPr>
+              <a:t>Tentative idea: </a:t>
+            </a:r>
+          </a:p>
+          <a:p>
+            <a:pPr marL="457200" lvl="1" indent="0">
+              <a:buNone/>
+            </a:pPr>
+            <a:r>
+              <a:rPr lang="en-US" dirty="0"/>
+              <a:t>	adding another parameter, denoting the stage the clients want to in</a:t>
+            </a:r>
+          </a:p>
+          <a:p>
+            <a:pPr marL="457200" lvl="1" indent="0">
+              <a:buNone/>
+            </a:pPr>
+            <a:endParaRPr lang="en-US" dirty="0"/>
+          </a:p>
+          <a:p>
+            <a:pPr marL="457200" lvl="1" indent="0">
+              <a:buNone/>
+            </a:pPr>
+            <a:endParaRPr lang="en-US" dirty="0"/>
+          </a:p>
+          <a:p>
+            <a:pPr marL="457200" lvl="1" indent="0">
+              <a:buNone/>
+            </a:pPr>
+            <a:endParaRPr lang="en-US" dirty="0"/>
+          </a:p>
+        </p:txBody>
+      </p:sp>
+      <p:sp>
+        <p:nvSpPr>
+          <p:cNvPr id="6" name="Content Placeholder 2">
+            <a:extLst>
+              <a:ext uri="{FF2B5EF4-FFF2-40B4-BE49-F238E27FC236}">
+                <a16:creationId xmlns:a16="http://schemas.microsoft.com/office/drawing/2014/main" id="{F306F067-E584-A905-60CF-97215A9D3AAD}"/>
+              </a:ext>
+            </a:extLst>
+          </p:cNvPr>
+          <p:cNvSpPr txBox="1">
+            <a:spLocks/>
+          </p:cNvSpPr>
+          <p:nvPr/>
+        </p:nvSpPr>
+        <p:spPr>
+          <a:xfrm>
+            <a:off x="1261841" y="3976383"/>
+            <a:ext cx="9389001" cy="1691686"/>
+          </a:xfrm>
+          <a:prstGeom prst="rect">
+            <a:avLst/>
+          </a:prstGeom>
+        </p:spPr>
+        <p:txBody>
+          <a:bodyPr vert="horz" lIns="91440" tIns="45720" rIns="91440" bIns="45720" rtlCol="0">
+            <a:normAutofit/>
+          </a:bodyPr>
+          <a:lstStyle>
+            <a:lvl1pPr marL="228600" indent="-228600" algn="l" defTabSz="914400" rtl="0" eaLnBrk="1" latinLnBrk="0" hangingPunct="1">
+              <a:lnSpc>
+                <a:spcPct val="90000"/>
+              </a:lnSpc>
+              <a:spcBef>
+                <a:spcPts val="1000"/>
+              </a:spcBef>
+              <a:buFont typeface="Arial" panose="020B0604020202020204" pitchFamily="34" charset="0"/>
+              <a:buChar char="•"/>
+              <a:defRPr sz="2800" kern="1200">
+                <a:solidFill>
+                  <a:schemeClr val="tx1"/>
+                </a:solidFill>
+                <a:latin typeface="+mn-lt"/>
+                <a:ea typeface="+mn-ea"/>
+                <a:cs typeface="+mn-cs"/>
+              </a:defRPr>
+            </a:lvl1pPr>
+            <a:lvl2pPr marL="685800" indent="-228600" algn="l" defTabSz="914400" rtl="0" eaLnBrk="1" latinLnBrk="0" hangingPunct="1">
+              <a:lnSpc>
+                <a:spcPct val="90000"/>
+              </a:lnSpc>
+              <a:spcBef>
+                <a:spcPts val="500"/>
+              </a:spcBef>
+              <a:buFont typeface="Arial" panose="020B0604020202020204" pitchFamily="34" charset="0"/>
+              <a:buChar char="•"/>
+              <a:defRPr sz="2400" kern="1200">
+                <a:solidFill>
+                  <a:schemeClr val="tx1"/>
+                </a:solidFill>
+                <a:latin typeface="+mn-lt"/>
+                <a:ea typeface="+mn-ea"/>
+                <a:cs typeface="+mn-cs"/>
+              </a:defRPr>
+            </a:lvl2pPr>
+            <a:lvl3pPr marL="1143000" indent="-228600" algn="l" defTabSz="914400" rtl="0" eaLnBrk="1" latinLnBrk="0" hangingPunct="1">
+              <a:lnSpc>
+                <a:spcPct val="90000"/>
+              </a:lnSpc>
+              <a:spcBef>
+                <a:spcPts val="500"/>
+              </a:spcBef>
+              <a:buFont typeface="Arial" panose="020B0604020202020204" pitchFamily="34" charset="0"/>
+              <a:buChar char="•"/>
+              <a:defRPr sz="2000" kern="1200">
+                <a:solidFill>
+                  <a:schemeClr val="tx1"/>
+                </a:solidFill>
+                <a:latin typeface="+mn-lt"/>
+                <a:ea typeface="+mn-ea"/>
+                <a:cs typeface="+mn-cs"/>
+              </a:defRPr>
+            </a:lvl3pPr>
+            <a:lvl4pPr marL="1600200" indent="-228600" algn="l" defTabSz="914400" rtl="0" eaLnBrk="1" latinLnBrk="0" hangingPunct="1">
+              <a:lnSpc>
+                <a:spcPct val="90000"/>
+              </a:lnSpc>
+              <a:spcBef>
+                <a:spcPts val="500"/>
+              </a:spcBef>
+              <a:buFont typeface="Arial" panose="020B0604020202020204" pitchFamily="34" charset="0"/>
+              <a:buChar char="•"/>
+              <a:defRPr sz="1800" kern="1200">
+                <a:solidFill>
+                  <a:schemeClr val="tx1"/>
+                </a:solidFill>
+                <a:latin typeface="+mn-lt"/>
+                <a:ea typeface="+mn-ea"/>
+                <a:cs typeface="+mn-cs"/>
+              </a:defRPr>
+            </a:lvl4pPr>
+            <a:lvl5pPr marL="2057400" indent="-228600" algn="l" defTabSz="914400" rtl="0" eaLnBrk="1" latinLnBrk="0" hangingPunct="1">
+              <a:lnSpc>
+                <a:spcPct val="90000"/>
+              </a:lnSpc>
+              <a:spcBef>
+                <a:spcPts val="500"/>
+              </a:spcBef>
+              <a:buFont typeface="Arial" panose="020B0604020202020204" pitchFamily="34" charset="0"/>
+              <a:buChar char="•"/>
+              <a:defRPr sz="1800" kern="1200">
+                <a:solidFill>
+                  <a:schemeClr val="tx1"/>
+                </a:solidFill>
+                <a:latin typeface="+mn-lt"/>
+                <a:ea typeface="+mn-ea"/>
+                <a:cs typeface="+mn-cs"/>
+              </a:defRPr>
+            </a:lvl5pPr>
+            <a:lvl6pPr marL="2514600" indent="-228600" algn="l" defTabSz="914400" rtl="0" eaLnBrk="1" latinLnBrk="0" hangingPunct="1">
+              <a:lnSpc>
+                <a:spcPct val="90000"/>
+              </a:lnSpc>
+              <a:spcBef>
+                <a:spcPts val="500"/>
+              </a:spcBef>
+              <a:buFont typeface="Arial" panose="020B0604020202020204" pitchFamily="34" charset="0"/>
+              <a:buChar char="•"/>
+              <a:defRPr sz="1800" kern="1200">
+                <a:solidFill>
+                  <a:schemeClr val="tx1"/>
+                </a:solidFill>
+                <a:latin typeface="+mn-lt"/>
+                <a:ea typeface="+mn-ea"/>
+                <a:cs typeface="+mn-cs"/>
+              </a:defRPr>
+            </a:lvl6pPr>
+            <a:lvl7pPr marL="2971800" indent="-228600" algn="l" defTabSz="914400" rtl="0" eaLnBrk="1" latinLnBrk="0" hangingPunct="1">
+              <a:lnSpc>
+                <a:spcPct val="90000"/>
+              </a:lnSpc>
+              <a:spcBef>
+                <a:spcPts val="500"/>
+              </a:spcBef>
+              <a:buFont typeface="Arial" panose="020B0604020202020204" pitchFamily="34" charset="0"/>
+              <a:buChar char="•"/>
+              <a:defRPr sz="1800" kern="1200">
+                <a:solidFill>
+                  <a:schemeClr val="tx1"/>
+                </a:solidFill>
+                <a:latin typeface="+mn-lt"/>
+                <a:ea typeface="+mn-ea"/>
+                <a:cs typeface="+mn-cs"/>
+              </a:defRPr>
+            </a:lvl7pPr>
+            <a:lvl8pPr marL="3429000" indent="-228600" algn="l" defTabSz="914400" rtl="0" eaLnBrk="1" latinLnBrk="0" hangingPunct="1">
+              <a:lnSpc>
+                <a:spcPct val="90000"/>
+              </a:lnSpc>
+              <a:spcBef>
+                <a:spcPts val="500"/>
+              </a:spcBef>
+              <a:buFont typeface="Arial" panose="020B0604020202020204" pitchFamily="34" charset="0"/>
+              <a:buChar char="•"/>
+              <a:defRPr sz="1800" kern="1200">
+                <a:solidFill>
+                  <a:schemeClr val="tx1"/>
+                </a:solidFill>
+                <a:latin typeface="+mn-lt"/>
+                <a:ea typeface="+mn-ea"/>
+                <a:cs typeface="+mn-cs"/>
+              </a:defRPr>
+            </a:lvl8pPr>
+            <a:lvl9pPr marL="3886200" indent="-228600" algn="l" defTabSz="914400" rtl="0" eaLnBrk="1" latinLnBrk="0" hangingPunct="1">
+              <a:lnSpc>
+                <a:spcPct val="90000"/>
+              </a:lnSpc>
+              <a:spcBef>
+                <a:spcPts val="500"/>
+              </a:spcBef>
+              <a:buFont typeface="Arial" panose="020B0604020202020204" pitchFamily="34" charset="0"/>
+              <a:buChar char="•"/>
+              <a:defRPr sz="1800" kern="1200">
+                <a:solidFill>
+                  <a:schemeClr val="tx1"/>
+                </a:solidFill>
+                <a:latin typeface="+mn-lt"/>
+                <a:ea typeface="+mn-ea"/>
+                <a:cs typeface="+mn-cs"/>
+              </a:defRPr>
+            </a:lvl9pPr>
+          </a:lstStyle>
+          <a:p>
+            <a:pPr marL="0" indent="0">
+              <a:buNone/>
+            </a:pPr>
+            <a:r>
+              <a:rPr lang="en-US" dirty="0"/>
+              <a:t>2. Implement secure sum and integration</a:t>
+            </a:r>
+          </a:p>
+          <a:p>
+            <a:pPr marL="457200" lvl="1" indent="0">
+              <a:buFont typeface="Arial" panose="020B0604020202020204" pitchFamily="34" charset="0"/>
+              <a:buNone/>
+            </a:pPr>
+            <a:r>
+              <a:rPr lang="en-US" dirty="0"/>
+              <a:t>	</a:t>
+            </a:r>
+          </a:p>
+          <a:p>
+            <a:pPr marL="457200" lvl="1" indent="0">
+              <a:buFont typeface="Arial" panose="020B0604020202020204" pitchFamily="34" charset="0"/>
+              <a:buNone/>
+            </a:pPr>
+            <a:r>
+              <a:rPr lang="en-US" dirty="0">
+                <a:solidFill>
+                  <a:srgbClr val="C00000"/>
+                </a:solidFill>
+              </a:rPr>
+              <a:t>Tentative idea: </a:t>
+            </a:r>
+          </a:p>
+          <a:p>
+            <a:pPr marL="457200" lvl="1" indent="0">
+              <a:buFont typeface="Arial" panose="020B0604020202020204" pitchFamily="34" charset="0"/>
+              <a:buNone/>
+            </a:pPr>
+            <a:r>
+              <a:rPr lang="en-US" dirty="0"/>
+              <a:t>	serialization or bloom filter? </a:t>
+            </a:r>
+          </a:p>
+          <a:p>
+            <a:pPr marL="457200" lvl="1" indent="0">
+              <a:buFont typeface="Arial" panose="020B0604020202020204" pitchFamily="34" charset="0"/>
+              <a:buNone/>
+            </a:pPr>
+            <a:endParaRPr lang="en-US" dirty="0"/>
+          </a:p>
+          <a:p>
+            <a:pPr marL="457200" lvl="1" indent="0">
+              <a:buFont typeface="Arial" panose="020B0604020202020204" pitchFamily="34" charset="0"/>
+              <a:buNone/>
+            </a:pPr>
+            <a:endParaRPr lang="en-US" dirty="0"/>
+          </a:p>
+          <a:p>
+            <a:pPr marL="457200" lvl="1" indent="0">
+              <a:buFont typeface="Arial" panose="020B0604020202020204" pitchFamily="34" charset="0"/>
+              <a:buNone/>
+            </a:pPr>
+            <a:endParaRPr lang="en-US" dirty="0"/>
+          </a:p>
+        </p:txBody>
+      </p:sp>
+    </p:spTree>
+    <p:extLst>
+      <p:ext uri="{BB962C8B-B14F-4D97-AF65-F5344CB8AC3E}">
+        <p14:creationId xmlns:p14="http://schemas.microsoft.com/office/powerpoint/2010/main" val="2893901149"/>
+      </p:ext>
+    </p:extLst>
+  </p:cSld>
+  <p:clrMapOvr>
+    <a:masterClrMapping/>
+  </p:clrMapOvr>
+</p:sld>
+</file>
+
+<file path=ppt/slides/slide22.xml><?xml version="1.0" encoding="utf-8"?>
+<p:sld xmlns:a="http://schemas.openxmlformats.org/drawingml/2006/main" xmlns:r="http://schemas.openxmlformats.org/officeDocument/2006/relationships" xmlns:p="http://schemas.openxmlformats.org/presentationml/2006/main">
+  <p:cSld>
+    <p:spTree>
+      <p:nvGrpSpPr>
+        <p:cNvPr id="1" name=""/>
+        <p:cNvGrpSpPr/>
+        <p:nvPr/>
+      </p:nvGrpSpPr>
+      <p:grpSpPr>
+        <a:xfrm>
+          <a:off x="0" y="0"/>
+          <a:ext cx="0" cy="0"/>
+          <a:chOff x="0" y="0"/>
+          <a:chExt cx="0" cy="0"/>
+        </a:xfrm>
+      </p:grpSpPr>
+      <p:sp>
+        <p:nvSpPr>
+          <p:cNvPr id="2" name="Title 1">
+            <a:extLst>
+              <a:ext uri="{FF2B5EF4-FFF2-40B4-BE49-F238E27FC236}">
+                <a16:creationId xmlns:a16="http://schemas.microsoft.com/office/drawing/2014/main" id="{A4F25A23-6BA7-0C6D-1BBC-E2691072DF6A}"/>
+              </a:ext>
+            </a:extLst>
+          </p:cNvPr>
+          <p:cNvSpPr>
+            <a:spLocks noGrp="1"/>
+          </p:cNvSpPr>
+          <p:nvPr>
+            <p:ph type="title"/>
+          </p:nvPr>
+        </p:nvSpPr>
+        <p:spPr/>
+        <p:txBody>
+          <a:bodyPr/>
+          <a:lstStyle/>
+          <a:p>
+            <a:r>
+              <a:rPr lang="en-US" dirty="0"/>
+              <a:t>Questions</a:t>
+            </a:r>
+          </a:p>
+        </p:txBody>
+      </p:sp>
+      <p:sp>
+        <p:nvSpPr>
+          <p:cNvPr id="3" name="Content Placeholder 2">
+            <a:extLst>
+              <a:ext uri="{FF2B5EF4-FFF2-40B4-BE49-F238E27FC236}">
+                <a16:creationId xmlns:a16="http://schemas.microsoft.com/office/drawing/2014/main" id="{C6617817-E6F0-E3B7-119E-796CC10088D1}"/>
+              </a:ext>
+            </a:extLst>
+          </p:cNvPr>
+          <p:cNvSpPr>
+            <a:spLocks noGrp="1"/>
+          </p:cNvSpPr>
+          <p:nvPr>
+            <p:ph idx="1"/>
+          </p:nvPr>
+        </p:nvSpPr>
+        <p:spPr/>
+        <p:txBody>
+          <a:bodyPr/>
+          <a:lstStyle/>
+          <a:p>
+            <a:pPr marL="514350" indent="-514350">
+              <a:buAutoNum type="arabicPeriod"/>
+            </a:pPr>
+            <a:r>
+              <a:rPr lang="en-US" dirty="0"/>
+              <a:t>Q: Currently, when there are multiple clients, we need to start multiple programs?</a:t>
+            </a:r>
+          </a:p>
+          <a:p>
+            <a:pPr marL="0" indent="0">
+              <a:buNone/>
+            </a:pPr>
+            <a:r>
+              <a:rPr lang="en-US" dirty="0"/>
+              <a:t>	In the debugging stage, all the clients are simulated on the single machine</a:t>
+            </a:r>
+          </a:p>
+          <a:p>
+            <a:pPr marL="0" indent="0">
+              <a:buNone/>
+            </a:pPr>
+            <a:endParaRPr lang="en-US" dirty="0"/>
+          </a:p>
+          <a:p>
+            <a:pPr marL="0" indent="0">
+              <a:buNone/>
+            </a:pPr>
+            <a:r>
+              <a:rPr lang="en-US" dirty="0"/>
+              <a:t>2. Q: Are the clients allowed to have personalized thresholds?</a:t>
+            </a:r>
+          </a:p>
+          <a:p>
+            <a:pPr marL="0" indent="0">
+              <a:buNone/>
+            </a:pPr>
+            <a:r>
+              <a:rPr lang="en-US" dirty="0"/>
+              <a:t>	Yes. Each client can have their own configuration, specifying the param. such as thresholds and pass it to the server. The server then handle the alignment  steps.</a:t>
+            </a:r>
+          </a:p>
+          <a:p>
+            <a:pPr marL="0" indent="0">
+              <a:buNone/>
+            </a:pPr>
+            <a:endParaRPr lang="en-US" dirty="0"/>
+          </a:p>
+          <a:p>
+            <a:pPr marL="514350" indent="-514350">
+              <a:buAutoNum type="arabicPeriod"/>
+            </a:pPr>
+            <a:endParaRPr lang="en-US" dirty="0"/>
+          </a:p>
+          <a:p>
+            <a:pPr marL="514350" indent="-514350">
+              <a:buAutoNum type="arabicPeriod"/>
+            </a:pPr>
+            <a:endParaRPr lang="en-US" dirty="0"/>
+          </a:p>
+        </p:txBody>
+      </p:sp>
+    </p:spTree>
+    <p:extLst>
+      <p:ext uri="{BB962C8B-B14F-4D97-AF65-F5344CB8AC3E}">
+        <p14:creationId xmlns:p14="http://schemas.microsoft.com/office/powerpoint/2010/main" val="923799050"/>
+      </p:ext>
+    </p:extLst>
+  </p:cSld>
+  <p:clrMapOvr>
+    <a:masterClrMapping/>
+  </p:clrMapOvr>
+</p:sld>
+</file>
+
+<file path=ppt/slides/slide23.xml><?xml version="1.0" encoding="utf-8"?>
+<p:sld xmlns:a="http://schemas.openxmlformats.org/drawingml/2006/main" xmlns:r="http://schemas.openxmlformats.org/officeDocument/2006/relationships" xmlns:p="http://schemas.openxmlformats.org/presentationml/2006/main">
+  <p:cSld>
+    <p:spTree>
+      <p:nvGrpSpPr>
+        <p:cNvPr id="1" name=""/>
+        <p:cNvGrpSpPr/>
+        <p:nvPr/>
+      </p:nvGrpSpPr>
+      <p:grpSpPr>
+        <a:xfrm>
+          <a:off x="0" y="0"/>
+          <a:ext cx="0" cy="0"/>
+          <a:chOff x="0" y="0"/>
+          <a:chExt cx="0" cy="0"/>
+        </a:xfrm>
+      </p:grpSpPr>
+      <p:sp>
+        <p:nvSpPr>
+          <p:cNvPr id="2" name="Title 1">
+            <a:extLst>
+              <a:ext uri="{FF2B5EF4-FFF2-40B4-BE49-F238E27FC236}">
+                <a16:creationId xmlns:a16="http://schemas.microsoft.com/office/drawing/2014/main" id="{F6D93FF5-2932-FF45-C9CE-E820546A7327}"/>
+              </a:ext>
+            </a:extLst>
+          </p:cNvPr>
+          <p:cNvSpPr>
+            <a:spLocks noGrp="1"/>
+          </p:cNvSpPr>
+          <p:nvPr>
+            <p:ph type="title"/>
+          </p:nvPr>
+        </p:nvSpPr>
+        <p:spPr/>
+        <p:txBody>
+          <a:bodyPr/>
+          <a:lstStyle/>
+          <a:p>
+            <a:r>
+              <a:rPr lang="en-US" dirty="0"/>
+              <a:t>Next two weeks</a:t>
+            </a:r>
+          </a:p>
+        </p:txBody>
+      </p:sp>
+      <p:sp>
+        <p:nvSpPr>
+          <p:cNvPr id="3" name="Content Placeholder 2">
+            <a:extLst>
+              <a:ext uri="{FF2B5EF4-FFF2-40B4-BE49-F238E27FC236}">
+                <a16:creationId xmlns:a16="http://schemas.microsoft.com/office/drawing/2014/main" id="{BF402F66-5F05-8913-F7E9-1A58EFD64DA9}"/>
+              </a:ext>
+            </a:extLst>
+          </p:cNvPr>
+          <p:cNvSpPr>
+            <a:spLocks noGrp="1"/>
+          </p:cNvSpPr>
+          <p:nvPr>
+            <p:ph idx="1"/>
+          </p:nvPr>
+        </p:nvSpPr>
+        <p:spPr>
+          <a:xfrm>
+            <a:off x="1558819" y="1977016"/>
+            <a:ext cx="6404332" cy="2552595"/>
+          </a:xfrm>
+        </p:spPr>
+        <p:txBody>
+          <a:bodyPr>
+            <a:normAutofit fontScale="55000" lnSpcReduction="20000"/>
+          </a:bodyPr>
+          <a:lstStyle/>
+          <a:p>
+            <a:pPr marL="0" indent="0">
+              <a:buNone/>
+            </a:pPr>
+            <a:r>
+              <a:rPr lang="en-US" dirty="0"/>
+              <a:t>Sonam:</a:t>
+            </a:r>
+          </a:p>
+          <a:p>
+            <a:pPr marL="0" indent="0">
+              <a:buNone/>
+            </a:pPr>
+            <a:r>
+              <a:rPr lang="en-US" dirty="0"/>
+              <a:t>	Finish debugging (single machine, distributed)</a:t>
+            </a:r>
+          </a:p>
+          <a:p>
+            <a:pPr marL="0" indent="0">
+              <a:buNone/>
+            </a:pPr>
+            <a:r>
+              <a:rPr lang="en-US" dirty="0"/>
+              <a:t>	Finish the documentation</a:t>
+            </a:r>
+          </a:p>
+          <a:p>
+            <a:pPr marL="0" indent="0">
+              <a:buNone/>
+            </a:pPr>
+            <a:endParaRPr lang="en-US" dirty="0"/>
+          </a:p>
+          <a:p>
+            <a:pPr marL="0" indent="0">
+              <a:buNone/>
+            </a:pPr>
+            <a:r>
+              <a:rPr lang="en-US" dirty="0"/>
+              <a:t>Sitao:</a:t>
+            </a:r>
+          </a:p>
+          <a:p>
+            <a:pPr marL="0" indent="0">
+              <a:buNone/>
+            </a:pPr>
+            <a:r>
+              <a:rPr lang="en-US" dirty="0"/>
+              <a:t>	secure sum and secure intersection protocol</a:t>
+            </a:r>
+          </a:p>
+          <a:p>
+            <a:pPr marL="0" indent="0">
+              <a:buNone/>
+            </a:pPr>
+            <a:endParaRPr lang="en-US" dirty="0"/>
+          </a:p>
+          <a:p>
+            <a:pPr marL="0" indent="0">
+              <a:buNone/>
+            </a:pPr>
+            <a:r>
+              <a:rPr lang="en-US" dirty="0"/>
+              <a:t>Xinyue:</a:t>
+            </a:r>
+          </a:p>
+          <a:p>
+            <a:pPr marL="0" indent="0">
+              <a:buNone/>
+            </a:pPr>
+            <a:r>
+              <a:rPr lang="en-US" dirty="0"/>
+              <a:t>	template for the visualizer </a:t>
+            </a:r>
+          </a:p>
+          <a:p>
+            <a:pPr marL="0" indent="0">
+              <a:buNone/>
+            </a:pPr>
+            <a:endParaRPr lang="en-US" dirty="0"/>
+          </a:p>
+          <a:p>
+            <a:pPr marL="0" indent="0">
+              <a:buNone/>
+            </a:pPr>
+            <a:endParaRPr lang="en-US" dirty="0"/>
+          </a:p>
+          <a:p>
+            <a:pPr marL="0" indent="0">
+              <a:buNone/>
+            </a:pPr>
+            <a:endParaRPr lang="en-US" dirty="0"/>
+          </a:p>
+          <a:p>
+            <a:pPr marL="0" indent="0">
+              <a:buNone/>
+            </a:pPr>
+            <a:endParaRPr lang="en-US" dirty="0"/>
+          </a:p>
+        </p:txBody>
+      </p:sp>
+    </p:spTree>
+    <p:extLst>
+      <p:ext uri="{BB962C8B-B14F-4D97-AF65-F5344CB8AC3E}">
+        <p14:creationId xmlns:p14="http://schemas.microsoft.com/office/powerpoint/2010/main" val="2943761551"/>
+      </p:ext>
+    </p:extLst>
+  </p:cSld>
+  <p:clrMapOvr>
+    <a:masterClrMapping/>
+  </p:clrMapOvr>
+</p:sld>
+</file>
+
 <file path=ppt/slides/slide3.xml><?xml version="1.0" encoding="utf-8"?>
 <p:sld xmlns:a="http://schemas.openxmlformats.org/drawingml/2006/main" xmlns:r="http://schemas.openxmlformats.org/officeDocument/2006/relationships" xmlns:p="http://schemas.openxmlformats.org/presentationml/2006/main">
   <p:cSld>
@@ -8537,7 +9382,12 @@
             <p:ph type="title"/>
           </p:nvPr>
         </p:nvSpPr>
-        <p:spPr/>
+        <p:spPr>
+          <a:xfrm>
+            <a:off x="785592" y="140738"/>
+            <a:ext cx="10515600" cy="1325563"/>
+          </a:xfrm>
+        </p:spPr>
         <p:txBody>
           <a:bodyPr/>
           <a:lstStyle/>
@@ -9323,7 +10173,7 @@
         </p:nvSpPr>
         <p:spPr>
           <a:xfrm>
-            <a:off x="3267708" y="5080340"/>
+            <a:off x="3343787" y="5134840"/>
             <a:ext cx="1592000" cy="612648"/>
           </a:xfrm>
           <a:prstGeom prst="flowChartDocument">

--- a/pipeline/0321.pptx
+++ b/pipeline/0321.pptx
@@ -28,6 +28,11 @@
     <p:sldId id="280" r:id="rId22"/>
     <p:sldId id="279" r:id="rId23"/>
     <p:sldId id="281" r:id="rId24"/>
+    <p:sldId id="282" r:id="rId25"/>
+    <p:sldId id="283" r:id="rId26"/>
+    <p:sldId id="284" r:id="rId27"/>
+    <p:sldId id="285" r:id="rId28"/>
+    <p:sldId id="286" r:id="rId29"/>
   </p:sldIdLst>
   <p:sldSz cx="12192000" cy="6858000"/>
   <p:notesSz cx="6858000" cy="9144000"/>
@@ -281,7 +286,7 @@
           <a:p>
             <a:fld id="{9411834E-63A1-AE4B-9696-ADA074A36825}" type="datetimeFigureOut">
               <a:rPr lang="en-US" smtClean="0"/>
-              <a:t>4/28/25</a:t>
+              <a:t>5/26/25</a:t>
             </a:fld>
             <a:endParaRPr lang="en-US"/>
           </a:p>
@@ -479,7 +484,7 @@
           <a:p>
             <a:fld id="{9411834E-63A1-AE4B-9696-ADA074A36825}" type="datetimeFigureOut">
               <a:rPr lang="en-US" smtClean="0"/>
-              <a:t>4/28/25</a:t>
+              <a:t>5/26/25</a:t>
             </a:fld>
             <a:endParaRPr lang="en-US"/>
           </a:p>
@@ -687,7 +692,7 @@
           <a:p>
             <a:fld id="{9411834E-63A1-AE4B-9696-ADA074A36825}" type="datetimeFigureOut">
               <a:rPr lang="en-US" smtClean="0"/>
-              <a:t>4/28/25</a:t>
+              <a:t>5/26/25</a:t>
             </a:fld>
             <a:endParaRPr lang="en-US"/>
           </a:p>
@@ -885,7 +890,7 @@
           <a:p>
             <a:fld id="{9411834E-63A1-AE4B-9696-ADA074A36825}" type="datetimeFigureOut">
               <a:rPr lang="en-US" smtClean="0"/>
-              <a:t>4/28/25</a:t>
+              <a:t>5/26/25</a:t>
             </a:fld>
             <a:endParaRPr lang="en-US"/>
           </a:p>
@@ -1160,7 +1165,7 @@
           <a:p>
             <a:fld id="{9411834E-63A1-AE4B-9696-ADA074A36825}" type="datetimeFigureOut">
               <a:rPr lang="en-US" smtClean="0"/>
-              <a:t>4/28/25</a:t>
+              <a:t>5/26/25</a:t>
             </a:fld>
             <a:endParaRPr lang="en-US"/>
           </a:p>
@@ -1425,7 +1430,7 @@
           <a:p>
             <a:fld id="{9411834E-63A1-AE4B-9696-ADA074A36825}" type="datetimeFigureOut">
               <a:rPr lang="en-US" smtClean="0"/>
-              <a:t>4/28/25</a:t>
+              <a:t>5/26/25</a:t>
             </a:fld>
             <a:endParaRPr lang="en-US"/>
           </a:p>
@@ -1837,7 +1842,7 @@
           <a:p>
             <a:fld id="{9411834E-63A1-AE4B-9696-ADA074A36825}" type="datetimeFigureOut">
               <a:rPr lang="en-US" smtClean="0"/>
-              <a:t>4/28/25</a:t>
+              <a:t>5/26/25</a:t>
             </a:fld>
             <a:endParaRPr lang="en-US"/>
           </a:p>
@@ -1978,7 +1983,7 @@
           <a:p>
             <a:fld id="{9411834E-63A1-AE4B-9696-ADA074A36825}" type="datetimeFigureOut">
               <a:rPr lang="en-US" smtClean="0"/>
-              <a:t>4/28/25</a:t>
+              <a:t>5/26/25</a:t>
             </a:fld>
             <a:endParaRPr lang="en-US"/>
           </a:p>
@@ -2091,7 +2096,7 @@
           <a:p>
             <a:fld id="{9411834E-63A1-AE4B-9696-ADA074A36825}" type="datetimeFigureOut">
               <a:rPr lang="en-US" smtClean="0"/>
-              <a:t>4/28/25</a:t>
+              <a:t>5/26/25</a:t>
             </a:fld>
             <a:endParaRPr lang="en-US"/>
           </a:p>
@@ -2402,7 +2407,7 @@
           <a:p>
             <a:fld id="{9411834E-63A1-AE4B-9696-ADA074A36825}" type="datetimeFigureOut">
               <a:rPr lang="en-US" smtClean="0"/>
-              <a:t>4/28/25</a:t>
+              <a:t>5/26/25</a:t>
             </a:fld>
             <a:endParaRPr lang="en-US"/>
           </a:p>
@@ -2690,7 +2695,7 @@
           <a:p>
             <a:fld id="{9411834E-63A1-AE4B-9696-ADA074A36825}" type="datetimeFigureOut">
               <a:rPr lang="en-US" smtClean="0"/>
-              <a:t>4/28/25</a:t>
+              <a:t>5/26/25</a:t>
             </a:fld>
             <a:endParaRPr lang="en-US"/>
           </a:p>
@@ -2931,7 +2936,7 @@
           <a:p>
             <a:fld id="{9411834E-63A1-AE4B-9696-ADA074A36825}" type="datetimeFigureOut">
               <a:rPr lang="en-US" smtClean="0"/>
-              <a:t>4/28/25</a:t>
+              <a:t>5/26/25</a:t>
             </a:fld>
             <a:endParaRPr lang="en-US"/>
           </a:p>
@@ -9203,6 +9208,1368 @@
     <p:extLst>
       <p:ext uri="{BB962C8B-B14F-4D97-AF65-F5344CB8AC3E}">
         <p14:creationId xmlns:p14="http://schemas.microsoft.com/office/powerpoint/2010/main" val="2943761551"/>
+      </p:ext>
+    </p:extLst>
+  </p:cSld>
+  <p:clrMapOvr>
+    <a:masterClrMapping/>
+  </p:clrMapOvr>
+</p:sld>
+</file>
+
+<file path=ppt/slides/slide24.xml><?xml version="1.0" encoding="utf-8"?>
+<p:sld xmlns:a="http://schemas.openxmlformats.org/drawingml/2006/main" xmlns:r="http://schemas.openxmlformats.org/officeDocument/2006/relationships" xmlns:p="http://schemas.openxmlformats.org/presentationml/2006/main">
+  <p:cSld>
+    <p:spTree>
+      <p:nvGrpSpPr>
+        <p:cNvPr id="1" name=""/>
+        <p:cNvGrpSpPr/>
+        <p:nvPr/>
+      </p:nvGrpSpPr>
+      <p:grpSpPr>
+        <a:xfrm>
+          <a:off x="0" y="0"/>
+          <a:ext cx="0" cy="0"/>
+          <a:chOff x="0" y="0"/>
+          <a:chExt cx="0" cy="0"/>
+        </a:xfrm>
+      </p:grpSpPr>
+      <p:sp>
+        <p:nvSpPr>
+          <p:cNvPr id="2" name="Title 1">
+            <a:extLst>
+              <a:ext uri="{FF2B5EF4-FFF2-40B4-BE49-F238E27FC236}">
+                <a16:creationId xmlns:a16="http://schemas.microsoft.com/office/drawing/2014/main" id="{5E58CB6B-31D6-9DDE-55AB-C64D6E849365}"/>
+              </a:ext>
+            </a:extLst>
+          </p:cNvPr>
+          <p:cNvSpPr>
+            <a:spLocks noGrp="1"/>
+          </p:cNvSpPr>
+          <p:nvPr>
+            <p:ph type="title"/>
+          </p:nvPr>
+        </p:nvSpPr>
+        <p:spPr>
+          <a:xfrm>
+            <a:off x="759477" y="3193104"/>
+            <a:ext cx="10515600" cy="1325563"/>
+          </a:xfrm>
+        </p:spPr>
+        <p:txBody>
+          <a:bodyPr/>
+          <a:lstStyle/>
+          <a:p>
+            <a:r>
+              <a:rPr lang="en-US" dirty="0"/>
+              <a:t>May. 26 updates</a:t>
+            </a:r>
+          </a:p>
+        </p:txBody>
+      </p:sp>
+    </p:spTree>
+    <p:extLst>
+      <p:ext uri="{BB962C8B-B14F-4D97-AF65-F5344CB8AC3E}">
+        <p14:creationId xmlns:p14="http://schemas.microsoft.com/office/powerpoint/2010/main" val="4031324648"/>
+      </p:ext>
+    </p:extLst>
+  </p:cSld>
+  <p:clrMapOvr>
+    <a:masterClrMapping/>
+  </p:clrMapOvr>
+</p:sld>
+</file>
+
+<file path=ppt/slides/slide25.xml><?xml version="1.0" encoding="utf-8"?>
+<p:sld xmlns:a="http://schemas.openxmlformats.org/drawingml/2006/main" xmlns:r="http://schemas.openxmlformats.org/officeDocument/2006/relationships" xmlns:p="http://schemas.openxmlformats.org/presentationml/2006/main">
+  <p:cSld>
+    <p:spTree>
+      <p:nvGrpSpPr>
+        <p:cNvPr id="1" name=""/>
+        <p:cNvGrpSpPr/>
+        <p:nvPr/>
+      </p:nvGrpSpPr>
+      <p:grpSpPr>
+        <a:xfrm>
+          <a:off x="0" y="0"/>
+          <a:ext cx="0" cy="0"/>
+          <a:chOff x="0" y="0"/>
+          <a:chExt cx="0" cy="0"/>
+        </a:xfrm>
+      </p:grpSpPr>
+      <p:sp>
+        <p:nvSpPr>
+          <p:cNvPr id="2" name="Title 1">
+            <a:extLst>
+              <a:ext uri="{FF2B5EF4-FFF2-40B4-BE49-F238E27FC236}">
+                <a16:creationId xmlns:a16="http://schemas.microsoft.com/office/drawing/2014/main" id="{91FC7F42-4BA8-BAA7-7F05-AB08D4544D5A}"/>
+              </a:ext>
+            </a:extLst>
+          </p:cNvPr>
+          <p:cNvSpPr>
+            <a:spLocks noGrp="1"/>
+          </p:cNvSpPr>
+          <p:nvPr>
+            <p:ph type="title"/>
+          </p:nvPr>
+        </p:nvSpPr>
+        <p:spPr/>
+        <p:txBody>
+          <a:bodyPr/>
+          <a:lstStyle/>
+          <a:p>
+            <a:r>
+              <a:rPr lang="en-US" dirty="0"/>
+              <a:t>Implementation part</a:t>
+            </a:r>
+          </a:p>
+        </p:txBody>
+      </p:sp>
+      <p:sp>
+        <p:nvSpPr>
+          <p:cNvPr id="3" name="Content Placeholder 2">
+            <a:extLst>
+              <a:ext uri="{FF2B5EF4-FFF2-40B4-BE49-F238E27FC236}">
+                <a16:creationId xmlns:a16="http://schemas.microsoft.com/office/drawing/2014/main" id="{0810338A-5C8E-B556-4153-0D8EADBE86C8}"/>
+              </a:ext>
+            </a:extLst>
+          </p:cNvPr>
+          <p:cNvSpPr>
+            <a:spLocks noGrp="1"/>
+          </p:cNvSpPr>
+          <p:nvPr>
+            <p:ph idx="1"/>
+          </p:nvPr>
+        </p:nvSpPr>
+        <p:spPr/>
+        <p:txBody>
+          <a:bodyPr/>
+          <a:lstStyle/>
+          <a:p>
+            <a:pPr marL="0" indent="0">
+              <a:buNone/>
+            </a:pPr>
+            <a:r>
+              <a:rPr lang="en-US" dirty="0"/>
+              <a:t>Main updates:</a:t>
+            </a:r>
+          </a:p>
+          <a:p>
+            <a:pPr marL="0" indent="0">
+              <a:buNone/>
+            </a:pPr>
+            <a:r>
+              <a:rPr lang="en-US" dirty="0"/>
+              <a:t>	allow  client to join and leave during the pipeline</a:t>
+            </a:r>
+          </a:p>
+          <a:p>
+            <a:pPr marL="0" indent="0">
+              <a:buNone/>
+            </a:pPr>
+            <a:endParaRPr lang="en-US" dirty="0"/>
+          </a:p>
+          <a:p>
+            <a:pPr marL="0" indent="0">
+              <a:buNone/>
+            </a:pPr>
+            <a:r>
+              <a:rPr lang="en-US" dirty="0"/>
+              <a:t>	Note: only support ‘leaving without rejoining’. The clients are allowed to leave the systems during each stage, however, once left, they are not allowed to rejoin the systems. Moreover, no late-join is allowed, for instance, a client cannot to join the LR stage if it’s not in the systems during the previous stages.</a:t>
+            </a:r>
+          </a:p>
+          <a:p>
+            <a:pPr marL="0" indent="0">
+              <a:buNone/>
+            </a:pPr>
+            <a:endParaRPr lang="en-US" dirty="0"/>
+          </a:p>
+          <a:p>
+            <a:pPr marL="0" indent="0">
+              <a:buNone/>
+            </a:pPr>
+            <a:endParaRPr lang="en-US" dirty="0"/>
+          </a:p>
+        </p:txBody>
+      </p:sp>
+    </p:spTree>
+    <p:extLst>
+      <p:ext uri="{BB962C8B-B14F-4D97-AF65-F5344CB8AC3E}">
+        <p14:creationId xmlns:p14="http://schemas.microsoft.com/office/powerpoint/2010/main" val="2372423120"/>
+      </p:ext>
+    </p:extLst>
+  </p:cSld>
+  <p:clrMapOvr>
+    <a:masterClrMapping/>
+  </p:clrMapOvr>
+</p:sld>
+</file>
+
+<file path=ppt/slides/slide26.xml><?xml version="1.0" encoding="utf-8"?>
+<p:sld xmlns:a="http://schemas.openxmlformats.org/drawingml/2006/main" xmlns:r="http://schemas.openxmlformats.org/officeDocument/2006/relationships" xmlns:p="http://schemas.openxmlformats.org/presentationml/2006/main">
+  <p:cSld>
+    <p:spTree>
+      <p:nvGrpSpPr>
+        <p:cNvPr id="1" name=""/>
+        <p:cNvGrpSpPr/>
+        <p:nvPr/>
+      </p:nvGrpSpPr>
+      <p:grpSpPr>
+        <a:xfrm>
+          <a:off x="0" y="0"/>
+          <a:ext cx="0" cy="0"/>
+          <a:chOff x="0" y="0"/>
+          <a:chExt cx="0" cy="0"/>
+        </a:xfrm>
+      </p:grpSpPr>
+      <p:sp>
+        <p:nvSpPr>
+          <p:cNvPr id="2" name="Title 1">
+            <a:extLst>
+              <a:ext uri="{FF2B5EF4-FFF2-40B4-BE49-F238E27FC236}">
+                <a16:creationId xmlns:a16="http://schemas.microsoft.com/office/drawing/2014/main" id="{F741B225-A199-6D03-EA5B-2AA729566C95}"/>
+              </a:ext>
+            </a:extLst>
+          </p:cNvPr>
+          <p:cNvSpPr>
+            <a:spLocks noGrp="1"/>
+          </p:cNvSpPr>
+          <p:nvPr>
+            <p:ph type="title"/>
+          </p:nvPr>
+        </p:nvSpPr>
+        <p:spPr/>
+        <p:txBody>
+          <a:bodyPr/>
+          <a:lstStyle/>
+          <a:p>
+            <a:r>
+              <a:rPr lang="en-US" dirty="0"/>
+              <a:t>Client side</a:t>
+            </a:r>
+          </a:p>
+        </p:txBody>
+      </p:sp>
+      <p:sp>
+        <p:nvSpPr>
+          <p:cNvPr id="3" name="Content Placeholder 2">
+            <a:extLst>
+              <a:ext uri="{FF2B5EF4-FFF2-40B4-BE49-F238E27FC236}">
+                <a16:creationId xmlns:a16="http://schemas.microsoft.com/office/drawing/2014/main" id="{269C1792-5BED-3BDD-7536-8B449B9568B8}"/>
+              </a:ext>
+            </a:extLst>
+          </p:cNvPr>
+          <p:cNvSpPr>
+            <a:spLocks noGrp="1"/>
+          </p:cNvSpPr>
+          <p:nvPr>
+            <p:ph idx="1"/>
+          </p:nvPr>
+        </p:nvSpPr>
+        <p:spPr/>
+        <p:txBody>
+          <a:bodyPr>
+            <a:normAutofit fontScale="92500" lnSpcReduction="20000"/>
+          </a:bodyPr>
+          <a:lstStyle/>
+          <a:p>
+            <a:pPr marL="0" indent="0">
+              <a:buNone/>
+            </a:pPr>
+            <a:r>
+              <a:rPr lang="en-US" dirty="0" err="1"/>
+              <a:t>data_loader.py</a:t>
+            </a:r>
+            <a:r>
+              <a:rPr lang="en-US" dirty="0"/>
+              <a:t>	</a:t>
+            </a:r>
+          </a:p>
+          <a:p>
+            <a:pPr marL="0" indent="0">
+              <a:buNone/>
+            </a:pPr>
+            <a:r>
+              <a:rPr lang="en-US" dirty="0"/>
+              <a:t>	added </a:t>
+            </a:r>
+          </a:p>
+          <a:p>
+            <a:pPr marL="914400" lvl="2" indent="0">
+              <a:buNone/>
+            </a:pPr>
+            <a:r>
+              <a:rPr lang="en-US" sz="1200" dirty="0"/>
+              <a:t>def </a:t>
+            </a:r>
+            <a:r>
+              <a:rPr lang="en-US" sz="1200" dirty="0" err="1"/>
+              <a:t>get_participation</a:t>
+            </a:r>
+            <a:r>
+              <a:rPr lang="en-US" sz="1200" dirty="0"/>
+              <a:t>(self):</a:t>
+            </a:r>
+            <a:br>
+              <a:rPr lang="en-US" sz="1200" dirty="0"/>
+            </a:br>
+            <a:r>
+              <a:rPr lang="en-US" sz="1200" dirty="0"/>
+              <a:t>    </a:t>
+            </a:r>
+            <a:r>
+              <a:rPr lang="en-US" sz="1200" i="1" dirty="0"/>
+              <a:t>"""</a:t>
+            </a:r>
+            <a:br>
+              <a:rPr lang="en-US" sz="1200" i="1" dirty="0"/>
+            </a:br>
+            <a:r>
+              <a:rPr lang="en-US" sz="1200" i="1" dirty="0"/>
+              <a:t>    Return the participation flags </a:t>
+            </a:r>
+            <a:r>
+              <a:rPr lang="en-US" sz="1200" i="1" dirty="0" err="1"/>
+              <a:t>dict</a:t>
+            </a:r>
+            <a:r>
+              <a:rPr lang="en-US" sz="1200" i="1" dirty="0"/>
+              <a:t> indicating which stages the client participates in.</a:t>
+            </a:r>
+            <a:br>
+              <a:rPr lang="en-US" sz="1200" i="1" dirty="0"/>
+            </a:br>
+            <a:r>
+              <a:rPr lang="en-US" sz="1200" i="1" dirty="0"/>
+              <a:t>    """</a:t>
+            </a:r>
+            <a:br>
+              <a:rPr lang="en-US" sz="1200" i="1" dirty="0"/>
+            </a:br>
+            <a:r>
+              <a:rPr lang="en-US" sz="1200" i="1" dirty="0"/>
+              <a:t>    </a:t>
+            </a:r>
+            <a:r>
+              <a:rPr lang="en-US" sz="1200" dirty="0"/>
+              <a:t>return </a:t>
+            </a:r>
+            <a:r>
+              <a:rPr lang="en-US" sz="1200" dirty="0" err="1"/>
+              <a:t>self.participation</a:t>
+            </a:r>
+            <a:endParaRPr lang="en-US" sz="1200" dirty="0"/>
+          </a:p>
+          <a:p>
+            <a:pPr marL="0" indent="0">
+              <a:buNone/>
+            </a:pPr>
+            <a:endParaRPr lang="en-US" dirty="0"/>
+          </a:p>
+          <a:p>
+            <a:pPr marL="0" indent="0">
+              <a:buNone/>
+            </a:pPr>
+            <a:r>
+              <a:rPr lang="en-US" dirty="0" err="1"/>
+              <a:t>Main_client.py</a:t>
+            </a:r>
+            <a:endParaRPr lang="en-US" dirty="0"/>
+          </a:p>
+          <a:p>
+            <a:pPr marL="0" indent="0">
+              <a:buNone/>
+            </a:pPr>
+            <a:r>
+              <a:rPr lang="en-US" dirty="0"/>
+              <a:t>	firstly check the current stage and the participation stage</a:t>
+            </a:r>
+          </a:p>
+          <a:p>
+            <a:pPr marL="457200" lvl="1" indent="0">
+              <a:buNone/>
+            </a:pPr>
+            <a:r>
+              <a:rPr lang="en-US" sz="1100" dirty="0"/>
+              <a:t>stage = </a:t>
+            </a:r>
+            <a:r>
+              <a:rPr lang="en-US" sz="1100" dirty="0" err="1"/>
+              <a:t>config.get</a:t>
+            </a:r>
+            <a:r>
+              <a:rPr lang="en-US" sz="1100" dirty="0"/>
+              <a:t>("stage", "sync")</a:t>
+            </a:r>
+            <a:br>
+              <a:rPr lang="en-US" sz="1100" dirty="0"/>
+            </a:br>
+            <a:r>
+              <a:rPr lang="en-US" sz="1100" dirty="0"/>
+              <a:t># Exit process if this client opts out of the current stage</a:t>
+            </a:r>
+            <a:br>
+              <a:rPr lang="en-US" sz="1100" dirty="0"/>
+            </a:br>
+            <a:r>
+              <a:rPr lang="en-US" sz="1100" dirty="0"/>
+              <a:t>if not </a:t>
+            </a:r>
+            <a:r>
+              <a:rPr lang="en-US" sz="1100" dirty="0" err="1"/>
+              <a:t>self.participation.get</a:t>
+            </a:r>
+            <a:r>
+              <a:rPr lang="en-US" sz="1100" dirty="0"/>
+              <a:t>(stage, True):</a:t>
+            </a:r>
+            <a:br>
+              <a:rPr lang="en-US" sz="1100" dirty="0"/>
+            </a:br>
+            <a:r>
+              <a:rPr lang="en-US" sz="1100" dirty="0"/>
+              <a:t>    </a:t>
+            </a:r>
+            <a:r>
+              <a:rPr lang="en-US" sz="1100" dirty="0" err="1"/>
+              <a:t>logging.info</a:t>
+            </a:r>
+            <a:r>
+              <a:rPr lang="en-US" sz="1100" dirty="0"/>
+              <a:t>(f"[Client {</a:t>
+            </a:r>
+            <a:r>
+              <a:rPr lang="en-US" sz="1100" dirty="0" err="1"/>
+              <a:t>self.client_id</a:t>
+            </a:r>
+            <a:r>
+              <a:rPr lang="en-US" sz="1100" dirty="0"/>
+              <a:t>}] Exiting: not participating in stage '{stage}'")</a:t>
+            </a:r>
+            <a:br>
+              <a:rPr lang="en-US" sz="1100" dirty="0"/>
+            </a:br>
+            <a:r>
+              <a:rPr lang="en-US" sz="1100" dirty="0"/>
+              <a:t>    </a:t>
+            </a:r>
+            <a:r>
+              <a:rPr lang="en-US" sz="1100" dirty="0" err="1"/>
+              <a:t>sys.exit</a:t>
+            </a:r>
+            <a:r>
+              <a:rPr lang="en-US" sz="1100" dirty="0"/>
+              <a:t>(0)</a:t>
+            </a:r>
+          </a:p>
+          <a:p>
+            <a:pPr marL="457200" lvl="1" indent="0">
+              <a:buNone/>
+            </a:pPr>
+            <a:endParaRPr lang="en-US" sz="1100" dirty="0"/>
+          </a:p>
+          <a:p>
+            <a:pPr marL="0" indent="0">
+              <a:buNone/>
+            </a:pPr>
+            <a:r>
+              <a:rPr lang="en-US" dirty="0" err="1"/>
+              <a:t>Config.yaml</a:t>
+            </a:r>
+            <a:endParaRPr lang="en-US" dirty="0"/>
+          </a:p>
+          <a:p>
+            <a:pPr marL="0" indent="0">
+              <a:buNone/>
+            </a:pPr>
+            <a:r>
+              <a:rPr lang="en-US" dirty="0"/>
+              <a:t>	specific the participation stages</a:t>
+            </a:r>
+          </a:p>
+        </p:txBody>
+      </p:sp>
+    </p:spTree>
+    <p:extLst>
+      <p:ext uri="{BB962C8B-B14F-4D97-AF65-F5344CB8AC3E}">
+        <p14:creationId xmlns:p14="http://schemas.microsoft.com/office/powerpoint/2010/main" val="508940598"/>
+      </p:ext>
+    </p:extLst>
+  </p:cSld>
+  <p:clrMapOvr>
+    <a:masterClrMapping/>
+  </p:clrMapOvr>
+</p:sld>
+</file>
+
+<file path=ppt/slides/slide27.xml><?xml version="1.0" encoding="utf-8"?>
+<p:sld xmlns:a="http://schemas.openxmlformats.org/drawingml/2006/main" xmlns:r="http://schemas.openxmlformats.org/officeDocument/2006/relationships" xmlns:p="http://schemas.openxmlformats.org/presentationml/2006/main">
+  <p:cSld>
+    <p:spTree>
+      <p:nvGrpSpPr>
+        <p:cNvPr id="1" name=""/>
+        <p:cNvGrpSpPr/>
+        <p:nvPr/>
+      </p:nvGrpSpPr>
+      <p:grpSpPr>
+        <a:xfrm>
+          <a:off x="0" y="0"/>
+          <a:ext cx="0" cy="0"/>
+          <a:chOff x="0" y="0"/>
+          <a:chExt cx="0" cy="0"/>
+        </a:xfrm>
+      </p:grpSpPr>
+      <p:sp>
+        <p:nvSpPr>
+          <p:cNvPr id="2" name="Title 1">
+            <a:extLst>
+              <a:ext uri="{FF2B5EF4-FFF2-40B4-BE49-F238E27FC236}">
+                <a16:creationId xmlns:a16="http://schemas.microsoft.com/office/drawing/2014/main" id="{4EE41C8F-1538-17FC-A7A2-5F4357A1401E}"/>
+              </a:ext>
+            </a:extLst>
+          </p:cNvPr>
+          <p:cNvSpPr>
+            <a:spLocks noGrp="1"/>
+          </p:cNvSpPr>
+          <p:nvPr>
+            <p:ph type="title"/>
+          </p:nvPr>
+        </p:nvSpPr>
+        <p:spPr/>
+        <p:txBody>
+          <a:bodyPr/>
+          <a:lstStyle/>
+          <a:p>
+            <a:r>
+              <a:rPr lang="en-US" dirty="0"/>
+              <a:t>Server side</a:t>
+            </a:r>
+          </a:p>
+        </p:txBody>
+      </p:sp>
+      <p:sp>
+        <p:nvSpPr>
+          <p:cNvPr id="3" name="Content Placeholder 2">
+            <a:extLst>
+              <a:ext uri="{FF2B5EF4-FFF2-40B4-BE49-F238E27FC236}">
+                <a16:creationId xmlns:a16="http://schemas.microsoft.com/office/drawing/2014/main" id="{7D732D52-F625-A04F-5CAF-28B908EF50E8}"/>
+              </a:ext>
+            </a:extLst>
+          </p:cNvPr>
+          <p:cNvSpPr>
+            <a:spLocks noGrp="1"/>
+          </p:cNvSpPr>
+          <p:nvPr>
+            <p:ph idx="1"/>
+          </p:nvPr>
+        </p:nvSpPr>
+        <p:spPr>
+          <a:xfrm>
+            <a:off x="838200" y="1825625"/>
+            <a:ext cx="7324788" cy="4351338"/>
+          </a:xfrm>
+        </p:spPr>
+        <p:txBody>
+          <a:bodyPr>
+            <a:normAutofit fontScale="62500" lnSpcReduction="20000"/>
+          </a:bodyPr>
+          <a:lstStyle/>
+          <a:p>
+            <a:pPr marL="0" indent="0">
+              <a:buNone/>
+            </a:pPr>
+            <a:r>
+              <a:rPr lang="en-US" dirty="0" err="1"/>
+              <a:t>Strategy.py</a:t>
+            </a:r>
+            <a:endParaRPr lang="en-US" dirty="0"/>
+          </a:p>
+          <a:p>
+            <a:pPr marL="0" indent="0">
+              <a:buNone/>
+            </a:pPr>
+            <a:r>
+              <a:rPr lang="en-US" sz="1800" dirty="0"/>
+              <a:t># Define which stage must precede each stage for client participation</a:t>
+            </a:r>
+            <a:br>
+              <a:rPr lang="en-US" sz="1800" dirty="0"/>
+            </a:br>
+            <a:r>
+              <a:rPr lang="en-US" sz="1800" dirty="0"/>
+              <a:t>PREREQ_STAGE = {</a:t>
+            </a:r>
+            <a:br>
+              <a:rPr lang="en-US" sz="1800" dirty="0"/>
+            </a:br>
+            <a:r>
+              <a:rPr lang="en-US" sz="1800" dirty="0"/>
+              <a:t>    "</a:t>
+            </a:r>
+            <a:r>
+              <a:rPr lang="en-US" sz="1800" dirty="0" err="1"/>
+              <a:t>global_qc</a:t>
+            </a:r>
+            <a:r>
+              <a:rPr lang="en-US" sz="1800" dirty="0"/>
+              <a:t>": None,</a:t>
+            </a:r>
+            <a:br>
+              <a:rPr lang="en-US" sz="1800" dirty="0"/>
+            </a:br>
+            <a:r>
+              <a:rPr lang="en-US" sz="1800" dirty="0"/>
+              <a:t>    "</a:t>
+            </a:r>
+            <a:r>
+              <a:rPr lang="en-US" sz="1800" dirty="0" err="1"/>
+              <a:t>global_qc_response</a:t>
+            </a:r>
+            <a:r>
+              <a:rPr lang="en-US" sz="1800" dirty="0"/>
+              <a:t>": "</a:t>
+            </a:r>
+            <a:r>
+              <a:rPr lang="en-US" sz="1800" dirty="0" err="1"/>
+              <a:t>global_qc</a:t>
+            </a:r>
+            <a:r>
+              <a:rPr lang="en-US" sz="1800" dirty="0"/>
+              <a:t>",</a:t>
+            </a:r>
+            <a:br>
+              <a:rPr lang="en-US" sz="1800" dirty="0"/>
+            </a:br>
+            <a:r>
+              <a:rPr lang="en-US" sz="1800" dirty="0"/>
+              <a:t>    "</a:t>
+            </a:r>
+            <a:r>
+              <a:rPr lang="en-US" sz="1800" dirty="0" err="1"/>
+              <a:t>init_chunks</a:t>
+            </a:r>
+            <a:r>
+              <a:rPr lang="en-US" sz="1800" dirty="0"/>
+              <a:t>": "</a:t>
+            </a:r>
+            <a:r>
+              <a:rPr lang="en-US" sz="1800" dirty="0" err="1"/>
+              <a:t>global_qc_response</a:t>
+            </a:r>
+            <a:r>
+              <a:rPr lang="en-US" sz="1800" dirty="0"/>
+              <a:t>",</a:t>
+            </a:r>
+            <a:br>
+              <a:rPr lang="en-US" sz="1800" dirty="0"/>
+            </a:br>
+            <a:r>
+              <a:rPr lang="en-US" sz="1800" dirty="0"/>
+              <a:t>    "</a:t>
+            </a:r>
+            <a:r>
+              <a:rPr lang="en-US" sz="1800" dirty="0" err="1"/>
+              <a:t>iterative_king</a:t>
+            </a:r>
+            <a:r>
+              <a:rPr lang="en-US" sz="1800" dirty="0"/>
+              <a:t>": "</a:t>
+            </a:r>
+            <a:r>
+              <a:rPr lang="en-US" sz="1800" dirty="0" err="1"/>
+              <a:t>init_chunks</a:t>
+            </a:r>
+            <a:r>
+              <a:rPr lang="en-US" sz="1800" dirty="0"/>
+              <a:t>",</a:t>
+            </a:r>
+            <a:br>
+              <a:rPr lang="en-US" sz="1800" dirty="0"/>
+            </a:br>
+            <a:r>
+              <a:rPr lang="en-US" sz="1800" dirty="0"/>
+              <a:t>    "</a:t>
+            </a:r>
+            <a:r>
+              <a:rPr lang="en-US" sz="1800" dirty="0" err="1"/>
+              <a:t>local_lr</a:t>
+            </a:r>
+            <a:r>
+              <a:rPr lang="en-US" sz="1800" dirty="0"/>
+              <a:t>": "</a:t>
+            </a:r>
+            <a:r>
+              <a:rPr lang="en-US" sz="1800" dirty="0" err="1"/>
+              <a:t>iterative_king</a:t>
+            </a:r>
+            <a:r>
+              <a:rPr lang="en-US" sz="1800" dirty="0"/>
+              <a:t>",</a:t>
+            </a:r>
+            <a:br>
+              <a:rPr lang="en-US" sz="1800" dirty="0"/>
+            </a:br>
+            <a:r>
+              <a:rPr lang="en-US" sz="1800" dirty="0"/>
+              <a:t>    "</a:t>
+            </a:r>
+            <a:r>
+              <a:rPr lang="en-US" sz="1800" dirty="0" err="1"/>
+              <a:t>local_lr_filter_response</a:t>
+            </a:r>
+            <a:r>
+              <a:rPr lang="en-US" sz="1800" dirty="0"/>
+              <a:t>": "</a:t>
+            </a:r>
+            <a:r>
+              <a:rPr lang="en-US" sz="1800" dirty="0" err="1"/>
+              <a:t>local_lr</a:t>
+            </a:r>
+            <a:r>
+              <a:rPr lang="en-US" sz="1800" dirty="0"/>
+              <a:t>",</a:t>
+            </a:r>
+            <a:br>
+              <a:rPr lang="en-US" sz="1800" dirty="0"/>
+            </a:br>
+            <a:r>
+              <a:rPr lang="en-US" sz="1800" dirty="0"/>
+              <a:t>    "</a:t>
+            </a:r>
+            <a:r>
+              <a:rPr lang="en-US" sz="1800" dirty="0" err="1"/>
+              <a:t>init_chunks_lr</a:t>
+            </a:r>
+            <a:r>
+              <a:rPr lang="en-US" sz="1800" dirty="0"/>
+              <a:t>": "</a:t>
+            </a:r>
+            <a:r>
+              <a:rPr lang="en-US" sz="1800" dirty="0" err="1"/>
+              <a:t>local_lr_filter_response</a:t>
+            </a:r>
+            <a:r>
+              <a:rPr lang="en-US" sz="1800" dirty="0"/>
+              <a:t>",</a:t>
+            </a:r>
+            <a:br>
+              <a:rPr lang="en-US" sz="1800" dirty="0"/>
+            </a:br>
+            <a:r>
+              <a:rPr lang="en-US" sz="1800" dirty="0"/>
+              <a:t>    "</a:t>
+            </a:r>
+            <a:r>
+              <a:rPr lang="en-US" sz="1800" dirty="0" err="1"/>
+              <a:t>iterative_lr</a:t>
+            </a:r>
+            <a:r>
+              <a:rPr lang="en-US" sz="1800" dirty="0"/>
+              <a:t>": "</a:t>
+            </a:r>
+            <a:r>
+              <a:rPr lang="en-US" sz="1800" dirty="0" err="1"/>
+              <a:t>init_chunks_lr</a:t>
+            </a:r>
+            <a:r>
+              <a:rPr lang="en-US" sz="1800" dirty="0"/>
+              <a:t>",</a:t>
+            </a:r>
+            <a:br>
+              <a:rPr lang="en-US" sz="1800" dirty="0"/>
+            </a:br>
+            <a:r>
+              <a:rPr lang="en-US" sz="1800" dirty="0"/>
+              <a:t>    # sync is the first stage</a:t>
+            </a:r>
+            <a:br>
+              <a:rPr lang="en-US" sz="1800" dirty="0"/>
+            </a:br>
+            <a:r>
+              <a:rPr lang="en-US" sz="1800" dirty="0"/>
+              <a:t>    "sync": None,</a:t>
+            </a:r>
+            <a:br>
+              <a:rPr lang="en-US" sz="1800" dirty="0"/>
+            </a:br>
+            <a:r>
+              <a:rPr lang="en-US" sz="1800" dirty="0"/>
+              <a:t>}</a:t>
+            </a:r>
+          </a:p>
+          <a:p>
+            <a:pPr marL="0" indent="0">
+              <a:buNone/>
+            </a:pPr>
+            <a:endParaRPr lang="en-US" sz="1800" dirty="0"/>
+          </a:p>
+          <a:p>
+            <a:pPr marL="0" indent="0">
+              <a:buNone/>
+            </a:pPr>
+            <a:r>
+              <a:rPr lang="en-US" sz="1800" dirty="0"/>
+              <a:t># Record participants for this stage</a:t>
+            </a:r>
+            <a:br>
+              <a:rPr lang="en-US" sz="1800" dirty="0"/>
+            </a:br>
+            <a:r>
+              <a:rPr lang="en-US" sz="1800" dirty="0" err="1"/>
+              <a:t>self.participants_per_stage</a:t>
+            </a:r>
+            <a:r>
+              <a:rPr lang="en-US" sz="1800" dirty="0"/>
+              <a:t>[</a:t>
+            </a:r>
+            <a:r>
+              <a:rPr lang="en-US" sz="1800" dirty="0" err="1"/>
+              <a:t>self.current_stage</a:t>
+            </a:r>
+            <a:r>
+              <a:rPr lang="en-US" sz="1800" dirty="0"/>
+              <a:t>] = set(</a:t>
+            </a:r>
+            <a:r>
+              <a:rPr lang="en-US" sz="1800" dirty="0" err="1"/>
+              <a:t>cid</a:t>
+            </a:r>
+            <a:r>
+              <a:rPr lang="en-US" sz="1800" dirty="0"/>
+              <a:t> for </a:t>
+            </a:r>
+            <a:r>
+              <a:rPr lang="en-US" sz="1800" dirty="0" err="1"/>
+              <a:t>cid</a:t>
+            </a:r>
+            <a:r>
+              <a:rPr lang="en-US" sz="1800" dirty="0"/>
+              <a:t>, _ in results)</a:t>
+            </a:r>
+            <a:br>
+              <a:rPr lang="en-US" sz="1800" dirty="0"/>
+            </a:br>
+            <a:br>
+              <a:rPr lang="en-US" sz="1800" dirty="0"/>
+            </a:br>
+            <a:r>
+              <a:rPr lang="en-US" sz="1800" dirty="0"/>
+              <a:t># Enforce prerequisite participation: only keep clients who were in the </a:t>
+            </a:r>
+            <a:r>
+              <a:rPr lang="en-US" sz="1800" dirty="0" err="1"/>
+              <a:t>prereq</a:t>
+            </a:r>
+            <a:r>
+              <a:rPr lang="en-US" sz="1800" dirty="0"/>
+              <a:t> stage</a:t>
+            </a:r>
+            <a:br>
+              <a:rPr lang="en-US" sz="1800" dirty="0"/>
+            </a:br>
+            <a:r>
+              <a:rPr lang="en-US" sz="1800" dirty="0" err="1"/>
+              <a:t>prereq</a:t>
+            </a:r>
+            <a:r>
+              <a:rPr lang="en-US" sz="1800" dirty="0"/>
+              <a:t> = </a:t>
+            </a:r>
+            <a:r>
+              <a:rPr lang="en-US" sz="1800" dirty="0" err="1"/>
+              <a:t>PREREQ_STAGE.get</a:t>
+            </a:r>
+            <a:r>
+              <a:rPr lang="en-US" sz="1800" dirty="0"/>
+              <a:t>(</a:t>
+            </a:r>
+            <a:r>
+              <a:rPr lang="en-US" sz="1800" dirty="0" err="1"/>
+              <a:t>self.current_stage</a:t>
+            </a:r>
+            <a:r>
+              <a:rPr lang="en-US" sz="1800" dirty="0"/>
+              <a:t>)</a:t>
+            </a:r>
+            <a:br>
+              <a:rPr lang="en-US" sz="1800" dirty="0"/>
+            </a:br>
+            <a:r>
+              <a:rPr lang="en-US" sz="1800" dirty="0"/>
+              <a:t>if </a:t>
+            </a:r>
+            <a:r>
+              <a:rPr lang="en-US" sz="1800" dirty="0" err="1"/>
+              <a:t>prereq</a:t>
+            </a:r>
+            <a:r>
+              <a:rPr lang="en-US" sz="1800" dirty="0"/>
+              <a:t> is not None:</a:t>
+            </a:r>
+            <a:br>
+              <a:rPr lang="en-US" sz="1800" dirty="0"/>
+            </a:br>
+            <a:r>
+              <a:rPr lang="en-US" sz="1800" dirty="0"/>
+              <a:t>    allowed = </a:t>
+            </a:r>
+            <a:r>
+              <a:rPr lang="en-US" sz="1800" dirty="0" err="1"/>
+              <a:t>self.participants_per_stage.get</a:t>
+            </a:r>
+            <a:r>
+              <a:rPr lang="en-US" sz="1800" dirty="0"/>
+              <a:t>(</a:t>
+            </a:r>
+            <a:r>
+              <a:rPr lang="en-US" sz="1800" dirty="0" err="1"/>
+              <a:t>prereq</a:t>
+            </a:r>
+            <a:r>
+              <a:rPr lang="en-US" sz="1800" dirty="0"/>
+              <a:t>, set())</a:t>
+            </a:r>
+            <a:br>
+              <a:rPr lang="en-US" sz="1800" dirty="0"/>
+            </a:br>
+            <a:r>
+              <a:rPr lang="en-US" sz="1800" dirty="0"/>
+              <a:t>    # Filter results to only those client IDs</a:t>
+            </a:r>
+            <a:br>
+              <a:rPr lang="en-US" sz="1800" dirty="0"/>
+            </a:br>
+            <a:r>
+              <a:rPr lang="en-US" sz="1800" dirty="0"/>
+              <a:t>    </a:t>
+            </a:r>
+            <a:r>
+              <a:rPr lang="en-US" sz="1800" dirty="0" err="1"/>
+              <a:t>filtered_results</a:t>
+            </a:r>
+            <a:r>
+              <a:rPr lang="en-US" sz="1800" dirty="0"/>
+              <a:t> = []</a:t>
+            </a:r>
+            <a:br>
+              <a:rPr lang="en-US" sz="1800" dirty="0"/>
+            </a:br>
+            <a:r>
+              <a:rPr lang="en-US" sz="1800" dirty="0"/>
+              <a:t>    for </a:t>
+            </a:r>
+            <a:r>
+              <a:rPr lang="en-US" sz="1800" dirty="0" err="1"/>
+              <a:t>cid</a:t>
+            </a:r>
+            <a:r>
+              <a:rPr lang="en-US" sz="1800" dirty="0"/>
+              <a:t>, </a:t>
+            </a:r>
+            <a:r>
+              <a:rPr lang="en-US" sz="1800" dirty="0" err="1"/>
+              <a:t>fit_res</a:t>
+            </a:r>
+            <a:r>
+              <a:rPr lang="en-US" sz="1800" dirty="0"/>
+              <a:t> in results:</a:t>
+            </a:r>
+            <a:br>
+              <a:rPr lang="en-US" sz="1800" dirty="0"/>
+            </a:br>
+            <a:r>
+              <a:rPr lang="en-US" sz="1800" dirty="0"/>
+              <a:t>        if </a:t>
+            </a:r>
+            <a:r>
+              <a:rPr lang="en-US" sz="1800" dirty="0" err="1"/>
+              <a:t>cid</a:t>
+            </a:r>
+            <a:r>
+              <a:rPr lang="en-US" sz="1800" dirty="0"/>
+              <a:t> in allowed:</a:t>
+            </a:r>
+            <a:br>
+              <a:rPr lang="en-US" sz="1800" dirty="0"/>
+            </a:br>
+            <a:r>
+              <a:rPr lang="en-US" sz="1800" dirty="0"/>
+              <a:t>            </a:t>
+            </a:r>
+            <a:r>
+              <a:rPr lang="en-US" sz="1800" dirty="0" err="1"/>
+              <a:t>filtered_results.append</a:t>
+            </a:r>
+            <a:r>
+              <a:rPr lang="en-US" sz="1800" dirty="0"/>
+              <a:t>((</a:t>
+            </a:r>
+            <a:r>
+              <a:rPr lang="en-US" sz="1800" dirty="0" err="1"/>
+              <a:t>cid</a:t>
+            </a:r>
+            <a:r>
+              <a:rPr lang="en-US" sz="1800" dirty="0"/>
+              <a:t>, </a:t>
+            </a:r>
+            <a:r>
+              <a:rPr lang="en-US" sz="1800" dirty="0" err="1"/>
+              <a:t>fit_res</a:t>
+            </a:r>
+            <a:r>
+              <a:rPr lang="en-US" sz="1800" dirty="0"/>
+              <a:t>))</a:t>
+            </a:r>
+            <a:br>
+              <a:rPr lang="en-US" sz="1800" dirty="0"/>
+            </a:br>
+            <a:r>
+              <a:rPr lang="en-US" sz="1800" dirty="0"/>
+              <a:t>        else:</a:t>
+            </a:r>
+            <a:br>
+              <a:rPr lang="en-US" sz="1800" dirty="0"/>
+            </a:br>
+            <a:r>
+              <a:rPr lang="en-US" sz="1800" dirty="0"/>
+              <a:t>            </a:t>
+            </a:r>
+            <a:r>
+              <a:rPr lang="en-US" sz="1800" dirty="0" err="1"/>
+              <a:t>self.logger.info</a:t>
+            </a:r>
+            <a:r>
+              <a:rPr lang="en-US" sz="1800" dirty="0"/>
+              <a:t>(</a:t>
+            </a:r>
+            <a:r>
+              <a:rPr lang="en-US" sz="1800" dirty="0" err="1"/>
+              <a:t>f"Skipping</a:t>
+            </a:r>
+            <a:r>
+              <a:rPr lang="en-US" sz="1800" dirty="0"/>
+              <a:t> client {</a:t>
+            </a:r>
+            <a:r>
+              <a:rPr lang="en-US" sz="1800" dirty="0" err="1"/>
+              <a:t>cid</a:t>
+            </a:r>
+            <a:r>
+              <a:rPr lang="en-US" sz="1800" dirty="0"/>
+              <a:t>} in stage '{</a:t>
+            </a:r>
+            <a:r>
+              <a:rPr lang="en-US" sz="1800" dirty="0" err="1"/>
+              <a:t>self.current_stage</a:t>
+            </a:r>
+            <a:r>
+              <a:rPr lang="en-US" sz="1800" dirty="0"/>
+              <a:t>}' because they did not participate in '{</a:t>
+            </a:r>
+            <a:r>
+              <a:rPr lang="en-US" sz="1800" dirty="0" err="1"/>
+              <a:t>prereq</a:t>
+            </a:r>
+            <a:r>
+              <a:rPr lang="en-US" sz="1800" dirty="0"/>
+              <a:t>}'")</a:t>
+            </a:r>
+            <a:br>
+              <a:rPr lang="en-US" sz="1800" dirty="0"/>
+            </a:br>
+            <a:r>
+              <a:rPr lang="en-US" sz="1800" dirty="0"/>
+              <a:t>    results = </a:t>
+            </a:r>
+            <a:r>
+              <a:rPr lang="en-US" sz="1800" dirty="0" err="1"/>
+              <a:t>filtered_results</a:t>
+            </a:r>
+            <a:endParaRPr lang="en-US" sz="1800" dirty="0"/>
+          </a:p>
+          <a:p>
+            <a:pPr marL="0" indent="0">
+              <a:buNone/>
+            </a:pPr>
+            <a:endParaRPr lang="en-US" sz="1200" dirty="0"/>
+          </a:p>
+          <a:p>
+            <a:pPr marL="0" indent="0">
+              <a:buNone/>
+            </a:pPr>
+            <a:endParaRPr lang="en-US" dirty="0"/>
+          </a:p>
+        </p:txBody>
+      </p:sp>
+      <p:sp>
+        <p:nvSpPr>
+          <p:cNvPr id="5" name="TextBox 4">
+            <a:extLst>
+              <a:ext uri="{FF2B5EF4-FFF2-40B4-BE49-F238E27FC236}">
+                <a16:creationId xmlns:a16="http://schemas.microsoft.com/office/drawing/2014/main" id="{951C9E2A-D820-A31A-6B55-D5F3D935B6D0}"/>
+              </a:ext>
+            </a:extLst>
+          </p:cNvPr>
+          <p:cNvSpPr txBox="1"/>
+          <p:nvPr/>
+        </p:nvSpPr>
+        <p:spPr>
+          <a:xfrm>
+            <a:off x="7787540" y="1642896"/>
+            <a:ext cx="3723327" cy="3693319"/>
+          </a:xfrm>
+          <a:prstGeom prst="rect">
+            <a:avLst/>
+          </a:prstGeom>
+          <a:noFill/>
+        </p:spPr>
+        <p:txBody>
+          <a:bodyPr wrap="none" rtlCol="0">
+            <a:spAutoFit/>
+          </a:bodyPr>
+          <a:lstStyle/>
+          <a:p>
+            <a:r>
+              <a:rPr lang="en-US" dirty="0" err="1"/>
+              <a:t>Main_server.py</a:t>
+            </a:r>
+            <a:endParaRPr lang="en-US" dirty="0"/>
+          </a:p>
+          <a:p>
+            <a:endParaRPr lang="en-US" dirty="0"/>
+          </a:p>
+          <a:p>
+            <a:r>
+              <a:rPr lang="en-US" dirty="0" err="1"/>
+              <a:t>fl.server.start_server</a:t>
+            </a:r>
+            <a:r>
+              <a:rPr lang="en-US" dirty="0"/>
+              <a:t>(</a:t>
+            </a:r>
+            <a:br>
+              <a:rPr lang="en-US" dirty="0"/>
+            </a:br>
+            <a:r>
+              <a:rPr lang="en-US" dirty="0"/>
+              <a:t>    </a:t>
+            </a:r>
+            <a:r>
+              <a:rPr lang="en-US" dirty="0" err="1"/>
+              <a:t>server_address</a:t>
+            </a:r>
+            <a:r>
+              <a:rPr lang="en-US" dirty="0"/>
+              <a:t>="127.0.0.1:8080",</a:t>
+            </a:r>
+            <a:br>
+              <a:rPr lang="en-US" dirty="0"/>
+            </a:br>
+            <a:r>
+              <a:rPr lang="en-US" dirty="0"/>
+              <a:t>    strategy=strategy,</a:t>
+            </a:r>
+            <a:br>
+              <a:rPr lang="en-US" dirty="0"/>
+            </a:br>
+            <a:r>
+              <a:rPr lang="en-US" dirty="0"/>
+              <a:t>    config=</a:t>
+            </a:r>
+            <a:r>
+              <a:rPr lang="en-US" dirty="0" err="1"/>
+              <a:t>ServerConfig</a:t>
+            </a:r>
+            <a:r>
+              <a:rPr lang="en-US" dirty="0"/>
+              <a:t>(</a:t>
+            </a:r>
+            <a:br>
+              <a:rPr lang="en-US" dirty="0"/>
+            </a:br>
+            <a:r>
+              <a:rPr lang="en-US" dirty="0"/>
+              <a:t>        </a:t>
+            </a:r>
+            <a:r>
+              <a:rPr lang="en-US" dirty="0" err="1"/>
+              <a:t>num_rounds</a:t>
+            </a:r>
+            <a:r>
+              <a:rPr lang="en-US" dirty="0"/>
+              <a:t>=50,</a:t>
+            </a:r>
+            <a:br>
+              <a:rPr lang="en-US" dirty="0"/>
+            </a:br>
+            <a:r>
+              <a:rPr lang="en-US" dirty="0"/>
+              <a:t>        </a:t>
+            </a:r>
+            <a:r>
+              <a:rPr lang="en-US" dirty="0" err="1"/>
+              <a:t>min_fit_clients</a:t>
+            </a:r>
+            <a:r>
+              <a:rPr lang="en-US" dirty="0"/>
+              <a:t>=1,</a:t>
+            </a:r>
+            <a:br>
+              <a:rPr lang="en-US" dirty="0"/>
+            </a:br>
+            <a:r>
+              <a:rPr lang="en-US" dirty="0"/>
+              <a:t>        </a:t>
+            </a:r>
+            <a:r>
+              <a:rPr lang="en-US" dirty="0" err="1"/>
+              <a:t>min_available_clients</a:t>
+            </a:r>
+            <a:r>
+              <a:rPr lang="en-US" dirty="0"/>
+              <a:t>=1,</a:t>
+            </a:r>
+            <a:br>
+              <a:rPr lang="en-US" dirty="0"/>
+            </a:br>
+            <a:r>
+              <a:rPr lang="en-US" dirty="0"/>
+              <a:t>        </a:t>
+            </a:r>
+            <a:r>
+              <a:rPr lang="en-US" dirty="0" err="1"/>
+              <a:t>min_eval_clients</a:t>
+            </a:r>
+            <a:r>
+              <a:rPr lang="en-US" dirty="0"/>
+              <a:t>=0,</a:t>
+            </a:r>
+            <a:br>
+              <a:rPr lang="en-US" dirty="0"/>
+            </a:br>
+            <a:r>
+              <a:rPr lang="en-US" dirty="0"/>
+              <a:t>    ),</a:t>
+            </a:r>
+            <a:br>
+              <a:rPr lang="en-US" dirty="0"/>
+            </a:br>
+            <a:r>
+              <a:rPr lang="en-US" dirty="0"/>
+              <a:t>)</a:t>
+            </a:r>
+          </a:p>
+          <a:p>
+            <a:endParaRPr lang="en-US" dirty="0"/>
+          </a:p>
+        </p:txBody>
+      </p:sp>
+    </p:spTree>
+    <p:extLst>
+      <p:ext uri="{BB962C8B-B14F-4D97-AF65-F5344CB8AC3E}">
+        <p14:creationId xmlns:p14="http://schemas.microsoft.com/office/powerpoint/2010/main" val="4011560982"/>
+      </p:ext>
+    </p:extLst>
+  </p:cSld>
+  <p:clrMapOvr>
+    <a:masterClrMapping/>
+  </p:clrMapOvr>
+</p:sld>
+</file>
+
+<file path=ppt/slides/slide28.xml><?xml version="1.0" encoding="utf-8"?>
+<p:sld xmlns:a="http://schemas.openxmlformats.org/drawingml/2006/main" xmlns:r="http://schemas.openxmlformats.org/officeDocument/2006/relationships" xmlns:p="http://schemas.openxmlformats.org/presentationml/2006/main">
+  <p:cSld>
+    <p:spTree>
+      <p:nvGrpSpPr>
+        <p:cNvPr id="1" name=""/>
+        <p:cNvGrpSpPr/>
+        <p:nvPr/>
+      </p:nvGrpSpPr>
+      <p:grpSpPr>
+        <a:xfrm>
+          <a:off x="0" y="0"/>
+          <a:ext cx="0" cy="0"/>
+          <a:chOff x="0" y="0"/>
+          <a:chExt cx="0" cy="0"/>
+        </a:xfrm>
+      </p:grpSpPr>
+      <p:sp>
+        <p:nvSpPr>
+          <p:cNvPr id="2" name="Title 1">
+            <a:extLst>
+              <a:ext uri="{FF2B5EF4-FFF2-40B4-BE49-F238E27FC236}">
+                <a16:creationId xmlns:a16="http://schemas.microsoft.com/office/drawing/2014/main" id="{84E19AC7-2517-C5BB-F86B-ED380582C940}"/>
+              </a:ext>
+            </a:extLst>
+          </p:cNvPr>
+          <p:cNvSpPr>
+            <a:spLocks noGrp="1"/>
+          </p:cNvSpPr>
+          <p:nvPr>
+            <p:ph type="title"/>
+          </p:nvPr>
+        </p:nvSpPr>
+        <p:spPr/>
+        <p:txBody>
+          <a:bodyPr/>
+          <a:lstStyle/>
+          <a:p>
+            <a:r>
+              <a:rPr lang="en-US" dirty="0"/>
+              <a:t>Test plan and </a:t>
+            </a:r>
+            <a:r>
+              <a:rPr lang="en-US" dirty="0" err="1"/>
+              <a:t>requriments</a:t>
+            </a:r>
+            <a:endParaRPr lang="en-US" dirty="0"/>
+          </a:p>
+        </p:txBody>
+      </p:sp>
+      <p:sp>
+        <p:nvSpPr>
+          <p:cNvPr id="3" name="Content Placeholder 2">
+            <a:extLst>
+              <a:ext uri="{FF2B5EF4-FFF2-40B4-BE49-F238E27FC236}">
+                <a16:creationId xmlns:a16="http://schemas.microsoft.com/office/drawing/2014/main" id="{1728797D-50BF-7EC5-96E1-33D9A52670AD}"/>
+              </a:ext>
+            </a:extLst>
+          </p:cNvPr>
+          <p:cNvSpPr>
+            <a:spLocks noGrp="1"/>
+          </p:cNvSpPr>
+          <p:nvPr>
+            <p:ph idx="1"/>
+          </p:nvPr>
+        </p:nvSpPr>
+        <p:spPr/>
+        <p:txBody>
+          <a:bodyPr/>
+          <a:lstStyle/>
+          <a:p>
+            <a:pPr marL="0" indent="0">
+              <a:buNone/>
+            </a:pPr>
+            <a:r>
+              <a:rPr lang="en-US" dirty="0"/>
+              <a:t>	Uploaded </a:t>
+            </a:r>
+            <a:r>
+              <a:rPr lang="en-US" dirty="0" err="1"/>
+              <a:t>test_plan.md</a:t>
+            </a:r>
+            <a:r>
+              <a:rPr lang="en-US" dirty="0"/>
+              <a:t> </a:t>
+            </a:r>
+          </a:p>
+        </p:txBody>
+      </p:sp>
+    </p:spTree>
+    <p:extLst>
+      <p:ext uri="{BB962C8B-B14F-4D97-AF65-F5344CB8AC3E}">
+        <p14:creationId xmlns:p14="http://schemas.microsoft.com/office/powerpoint/2010/main" val="3867867618"/>
       </p:ext>
     </p:extLst>
   </p:cSld>
